--- a/docs/diagrams/ModelComponentClassDiagram.pptx
+++ b/docs/diagrams/ModelComponentClassDiagram.pptx
@@ -208,7 +208,7 @@
           <a:p>
             <a:fld id="{F5CC4B3F-88C1-4FFA-B1B6-F41C21DC6924}" type="datetimeFigureOut">
               <a:rPr lang="en-US" smtClean="0"/>
-              <a:t>1/1/18</a:t>
+              <a:t>4/15/2018</a:t>
             </a:fld>
             <a:endParaRPr lang="en-US"/>
           </a:p>
@@ -272,38 +272,37 @@
           <a:p>
             <a:pPr lvl="0"/>
             <a:r>
-              <a:rPr lang="en-US" smtClean="0"/>
+              <a:rPr lang="en-US"/>
               <a:t>Click to edit Master text styles</a:t>
             </a:r>
           </a:p>
           <a:p>
             <a:pPr lvl="1"/>
             <a:r>
-              <a:rPr lang="en-US" smtClean="0"/>
+              <a:rPr lang="en-US"/>
               <a:t>Second level</a:t>
             </a:r>
           </a:p>
           <a:p>
             <a:pPr lvl="2"/>
             <a:r>
-              <a:rPr lang="en-US" smtClean="0"/>
+              <a:rPr lang="en-US"/>
               <a:t>Third level</a:t>
             </a:r>
           </a:p>
           <a:p>
             <a:pPr lvl="3"/>
             <a:r>
-              <a:rPr lang="en-US" smtClean="0"/>
+              <a:rPr lang="en-US"/>
               <a:t>Fourth level</a:t>
             </a:r>
           </a:p>
           <a:p>
             <a:pPr lvl="4"/>
             <a:r>
-              <a:rPr lang="en-US" smtClean="0"/>
+              <a:rPr lang="en-US"/>
               <a:t>Fifth level</a:t>
             </a:r>
-            <a:endParaRPr lang="en-US"/>
           </a:p>
         </p:txBody>
       </p:sp>
@@ -514,10 +513,9 @@
           <a:lstStyle/>
           <a:p>
             <a:r>
-              <a:rPr lang="en-US" smtClean="0"/>
+              <a:rPr lang="en-US"/>
               <a:t>Click to edit Master title style</a:t>
             </a:r>
-            <a:endParaRPr lang="en-US"/>
           </a:p>
         </p:txBody>
       </p:sp>
@@ -633,10 +631,9 @@
           </a:lstStyle>
           <a:p>
             <a:r>
-              <a:rPr lang="en-US" smtClean="0"/>
+              <a:rPr lang="en-US"/>
               <a:t>Click to edit Master subtitle style</a:t>
             </a:r>
-            <a:endParaRPr lang="en-US"/>
           </a:p>
         </p:txBody>
       </p:sp>
@@ -657,7 +654,7 @@
           <a:p>
             <a:fld id="{78C97017-6FC3-485B-9764-EAC9E56C1D49}" type="datetimeFigureOut">
               <a:rPr lang="en-US" smtClean="0"/>
-              <a:t>1/1/18</a:t>
+              <a:t>4/15/2018</a:t>
             </a:fld>
             <a:endParaRPr lang="en-US"/>
           </a:p>
@@ -751,10 +748,9 @@
           <a:lstStyle/>
           <a:p>
             <a:r>
-              <a:rPr lang="en-US" smtClean="0"/>
+              <a:rPr lang="en-US"/>
               <a:t>Click to edit Master title style</a:t>
             </a:r>
-            <a:endParaRPr lang="en-US"/>
           </a:p>
         </p:txBody>
       </p:sp>
@@ -775,38 +771,37 @@
           <a:p>
             <a:pPr lvl="0"/>
             <a:r>
-              <a:rPr lang="en-US" smtClean="0"/>
+              <a:rPr lang="en-US"/>
               <a:t>Click to edit Master text styles</a:t>
             </a:r>
           </a:p>
           <a:p>
             <a:pPr lvl="1"/>
             <a:r>
-              <a:rPr lang="en-US" smtClean="0"/>
+              <a:rPr lang="en-US"/>
               <a:t>Second level</a:t>
             </a:r>
           </a:p>
           <a:p>
             <a:pPr lvl="2"/>
             <a:r>
-              <a:rPr lang="en-US" smtClean="0"/>
+              <a:rPr lang="en-US"/>
               <a:t>Third level</a:t>
             </a:r>
           </a:p>
           <a:p>
             <a:pPr lvl="3"/>
             <a:r>
-              <a:rPr lang="en-US" smtClean="0"/>
+              <a:rPr lang="en-US"/>
               <a:t>Fourth level</a:t>
             </a:r>
           </a:p>
           <a:p>
             <a:pPr lvl="4"/>
             <a:r>
-              <a:rPr lang="en-US" smtClean="0"/>
+              <a:rPr lang="en-US"/>
               <a:t>Fifth level</a:t>
             </a:r>
-            <a:endParaRPr lang="en-US"/>
           </a:p>
         </p:txBody>
       </p:sp>
@@ -827,7 +822,7 @@
           <a:p>
             <a:fld id="{78C97017-6FC3-485B-9764-EAC9E56C1D49}" type="datetimeFigureOut">
               <a:rPr lang="en-US" smtClean="0"/>
-              <a:t>1/1/18</a:t>
+              <a:t>4/15/2018</a:t>
             </a:fld>
             <a:endParaRPr lang="en-US"/>
           </a:p>
@@ -926,10 +921,9 @@
           <a:lstStyle/>
           <a:p>
             <a:r>
-              <a:rPr lang="en-US" smtClean="0"/>
+              <a:rPr lang="en-US"/>
               <a:t>Click to edit Master title style</a:t>
             </a:r>
-            <a:endParaRPr lang="en-US"/>
           </a:p>
         </p:txBody>
       </p:sp>
@@ -955,38 +949,37 @@
           <a:p>
             <a:pPr lvl="0"/>
             <a:r>
-              <a:rPr lang="en-US" smtClean="0"/>
+              <a:rPr lang="en-US"/>
               <a:t>Click to edit Master text styles</a:t>
             </a:r>
           </a:p>
           <a:p>
             <a:pPr lvl="1"/>
             <a:r>
-              <a:rPr lang="en-US" smtClean="0"/>
+              <a:rPr lang="en-US"/>
               <a:t>Second level</a:t>
             </a:r>
           </a:p>
           <a:p>
             <a:pPr lvl="2"/>
             <a:r>
-              <a:rPr lang="en-US" smtClean="0"/>
+              <a:rPr lang="en-US"/>
               <a:t>Third level</a:t>
             </a:r>
           </a:p>
           <a:p>
             <a:pPr lvl="3"/>
             <a:r>
-              <a:rPr lang="en-US" smtClean="0"/>
+              <a:rPr lang="en-US"/>
               <a:t>Fourth level</a:t>
             </a:r>
           </a:p>
           <a:p>
             <a:pPr lvl="4"/>
             <a:r>
-              <a:rPr lang="en-US" smtClean="0"/>
+              <a:rPr lang="en-US"/>
               <a:t>Fifth level</a:t>
             </a:r>
-            <a:endParaRPr lang="en-US"/>
           </a:p>
         </p:txBody>
       </p:sp>
@@ -1007,7 +1000,7 @@
           <a:p>
             <a:fld id="{78C97017-6FC3-485B-9764-EAC9E56C1D49}" type="datetimeFigureOut">
               <a:rPr lang="en-US" smtClean="0"/>
-              <a:t>1/1/18</a:t>
+              <a:t>4/15/2018</a:t>
             </a:fld>
             <a:endParaRPr lang="en-US"/>
           </a:p>
@@ -1101,10 +1094,9 @@
           <a:lstStyle/>
           <a:p>
             <a:r>
-              <a:rPr lang="en-US" smtClean="0"/>
+              <a:rPr lang="en-US"/>
               <a:t>Click to edit Master title style</a:t>
             </a:r>
-            <a:endParaRPr lang="en-US"/>
           </a:p>
         </p:txBody>
       </p:sp>
@@ -1125,38 +1117,37 @@
           <a:p>
             <a:pPr lvl="0"/>
             <a:r>
-              <a:rPr lang="en-US" smtClean="0"/>
+              <a:rPr lang="en-US"/>
               <a:t>Click to edit Master text styles</a:t>
             </a:r>
           </a:p>
           <a:p>
             <a:pPr lvl="1"/>
             <a:r>
-              <a:rPr lang="en-US" smtClean="0"/>
+              <a:rPr lang="en-US"/>
               <a:t>Second level</a:t>
             </a:r>
           </a:p>
           <a:p>
             <a:pPr lvl="2"/>
             <a:r>
-              <a:rPr lang="en-US" smtClean="0"/>
+              <a:rPr lang="en-US"/>
               <a:t>Third level</a:t>
             </a:r>
           </a:p>
           <a:p>
             <a:pPr lvl="3"/>
             <a:r>
-              <a:rPr lang="en-US" smtClean="0"/>
+              <a:rPr lang="en-US"/>
               <a:t>Fourth level</a:t>
             </a:r>
           </a:p>
           <a:p>
             <a:pPr lvl="4"/>
             <a:r>
-              <a:rPr lang="en-US" smtClean="0"/>
+              <a:rPr lang="en-US"/>
               <a:t>Fifth level</a:t>
             </a:r>
-            <a:endParaRPr lang="en-US"/>
           </a:p>
         </p:txBody>
       </p:sp>
@@ -1177,7 +1168,7 @@
           <a:p>
             <a:fld id="{78C97017-6FC3-485B-9764-EAC9E56C1D49}" type="datetimeFigureOut">
               <a:rPr lang="en-US" smtClean="0"/>
-              <a:t>1/1/18</a:t>
+              <a:t>4/15/2018</a:t>
             </a:fld>
             <a:endParaRPr lang="en-US"/>
           </a:p>
@@ -1280,10 +1271,9 @@
           </a:lstStyle>
           <a:p>
             <a:r>
-              <a:rPr lang="en-US" smtClean="0"/>
+              <a:rPr lang="en-US"/>
               <a:t>Click to edit Master title style</a:t>
             </a:r>
-            <a:endParaRPr lang="en-US"/>
           </a:p>
         </p:txBody>
       </p:sp>
@@ -1400,7 +1390,7 @@
           <a:p>
             <a:pPr lvl="0"/>
             <a:r>
-              <a:rPr lang="en-US" smtClean="0"/>
+              <a:rPr lang="en-US"/>
               <a:t>Click to edit Master text styles</a:t>
             </a:r>
           </a:p>
@@ -1423,7 +1413,7 @@
           <a:p>
             <a:fld id="{78C97017-6FC3-485B-9764-EAC9E56C1D49}" type="datetimeFigureOut">
               <a:rPr lang="en-US" smtClean="0"/>
-              <a:t>1/1/18</a:t>
+              <a:t>4/15/2018</a:t>
             </a:fld>
             <a:endParaRPr lang="en-US"/>
           </a:p>
@@ -1517,10 +1507,9 @@
           <a:lstStyle/>
           <a:p>
             <a:r>
-              <a:rPr lang="en-US" smtClean="0"/>
+              <a:rPr lang="en-US"/>
               <a:t>Click to edit Master title style</a:t>
             </a:r>
-            <a:endParaRPr lang="en-US"/>
           </a:p>
         </p:txBody>
       </p:sp>
@@ -1574,38 +1563,37 @@
           <a:p>
             <a:pPr lvl="0"/>
             <a:r>
-              <a:rPr lang="en-US" smtClean="0"/>
+              <a:rPr lang="en-US"/>
               <a:t>Click to edit Master text styles</a:t>
             </a:r>
           </a:p>
           <a:p>
             <a:pPr lvl="1"/>
             <a:r>
-              <a:rPr lang="en-US" smtClean="0"/>
+              <a:rPr lang="en-US"/>
               <a:t>Second level</a:t>
             </a:r>
           </a:p>
           <a:p>
             <a:pPr lvl="2"/>
             <a:r>
-              <a:rPr lang="en-US" smtClean="0"/>
+              <a:rPr lang="en-US"/>
               <a:t>Third level</a:t>
             </a:r>
           </a:p>
           <a:p>
             <a:pPr lvl="3"/>
             <a:r>
-              <a:rPr lang="en-US" smtClean="0"/>
+              <a:rPr lang="en-US"/>
               <a:t>Fourth level</a:t>
             </a:r>
           </a:p>
           <a:p>
             <a:pPr lvl="4"/>
             <a:r>
-              <a:rPr lang="en-US" smtClean="0"/>
+              <a:rPr lang="en-US"/>
               <a:t>Fifth level</a:t>
             </a:r>
-            <a:endParaRPr lang="en-US"/>
           </a:p>
         </p:txBody>
       </p:sp>
@@ -1659,38 +1647,37 @@
           <a:p>
             <a:pPr lvl="0"/>
             <a:r>
-              <a:rPr lang="en-US" smtClean="0"/>
+              <a:rPr lang="en-US"/>
               <a:t>Click to edit Master text styles</a:t>
             </a:r>
           </a:p>
           <a:p>
             <a:pPr lvl="1"/>
             <a:r>
-              <a:rPr lang="en-US" smtClean="0"/>
+              <a:rPr lang="en-US"/>
               <a:t>Second level</a:t>
             </a:r>
           </a:p>
           <a:p>
             <a:pPr lvl="2"/>
             <a:r>
-              <a:rPr lang="en-US" smtClean="0"/>
+              <a:rPr lang="en-US"/>
               <a:t>Third level</a:t>
             </a:r>
           </a:p>
           <a:p>
             <a:pPr lvl="3"/>
             <a:r>
-              <a:rPr lang="en-US" smtClean="0"/>
+              <a:rPr lang="en-US"/>
               <a:t>Fourth level</a:t>
             </a:r>
           </a:p>
           <a:p>
             <a:pPr lvl="4"/>
             <a:r>
-              <a:rPr lang="en-US" smtClean="0"/>
+              <a:rPr lang="en-US"/>
               <a:t>Fifth level</a:t>
             </a:r>
-            <a:endParaRPr lang="en-US"/>
           </a:p>
         </p:txBody>
       </p:sp>
@@ -1711,7 +1698,7 @@
           <a:p>
             <a:fld id="{78C97017-6FC3-485B-9764-EAC9E56C1D49}" type="datetimeFigureOut">
               <a:rPr lang="en-US" smtClean="0"/>
-              <a:t>1/1/18</a:t>
+              <a:t>4/15/2018</a:t>
             </a:fld>
             <a:endParaRPr lang="en-US"/>
           </a:p>
@@ -1809,10 +1796,9 @@
           </a:lstStyle>
           <a:p>
             <a:r>
-              <a:rPr lang="en-US" smtClean="0"/>
+              <a:rPr lang="en-US"/>
               <a:t>Click to edit Master title style</a:t>
             </a:r>
-            <a:endParaRPr lang="en-US"/>
           </a:p>
         </p:txBody>
       </p:sp>
@@ -1875,7 +1861,7 @@
           <a:p>
             <a:pPr lvl="0"/>
             <a:r>
-              <a:rPr lang="en-US" smtClean="0"/>
+              <a:rPr lang="en-US"/>
               <a:t>Click to edit Master text styles</a:t>
             </a:r>
           </a:p>
@@ -1931,38 +1917,37 @@
           <a:p>
             <a:pPr lvl="0"/>
             <a:r>
-              <a:rPr lang="en-US" smtClean="0"/>
+              <a:rPr lang="en-US"/>
               <a:t>Click to edit Master text styles</a:t>
             </a:r>
           </a:p>
           <a:p>
             <a:pPr lvl="1"/>
             <a:r>
-              <a:rPr lang="en-US" smtClean="0"/>
+              <a:rPr lang="en-US"/>
               <a:t>Second level</a:t>
             </a:r>
           </a:p>
           <a:p>
             <a:pPr lvl="2"/>
             <a:r>
-              <a:rPr lang="en-US" smtClean="0"/>
+              <a:rPr lang="en-US"/>
               <a:t>Third level</a:t>
             </a:r>
           </a:p>
           <a:p>
             <a:pPr lvl="3"/>
             <a:r>
-              <a:rPr lang="en-US" smtClean="0"/>
+              <a:rPr lang="en-US"/>
               <a:t>Fourth level</a:t>
             </a:r>
           </a:p>
           <a:p>
             <a:pPr lvl="4"/>
             <a:r>
-              <a:rPr lang="en-US" smtClean="0"/>
+              <a:rPr lang="en-US"/>
               <a:t>Fifth level</a:t>
             </a:r>
-            <a:endParaRPr lang="en-US"/>
           </a:p>
         </p:txBody>
       </p:sp>
@@ -2025,7 +2010,7 @@
           <a:p>
             <a:pPr lvl="0"/>
             <a:r>
-              <a:rPr lang="en-US" smtClean="0"/>
+              <a:rPr lang="en-US"/>
               <a:t>Click to edit Master text styles</a:t>
             </a:r>
           </a:p>
@@ -2081,38 +2066,37 @@
           <a:p>
             <a:pPr lvl="0"/>
             <a:r>
-              <a:rPr lang="en-US" smtClean="0"/>
+              <a:rPr lang="en-US"/>
               <a:t>Click to edit Master text styles</a:t>
             </a:r>
           </a:p>
           <a:p>
             <a:pPr lvl="1"/>
             <a:r>
-              <a:rPr lang="en-US" smtClean="0"/>
+              <a:rPr lang="en-US"/>
               <a:t>Second level</a:t>
             </a:r>
           </a:p>
           <a:p>
             <a:pPr lvl="2"/>
             <a:r>
-              <a:rPr lang="en-US" smtClean="0"/>
+              <a:rPr lang="en-US"/>
               <a:t>Third level</a:t>
             </a:r>
           </a:p>
           <a:p>
             <a:pPr lvl="3"/>
             <a:r>
-              <a:rPr lang="en-US" smtClean="0"/>
+              <a:rPr lang="en-US"/>
               <a:t>Fourth level</a:t>
             </a:r>
           </a:p>
           <a:p>
             <a:pPr lvl="4"/>
             <a:r>
-              <a:rPr lang="en-US" smtClean="0"/>
+              <a:rPr lang="en-US"/>
               <a:t>Fifth level</a:t>
             </a:r>
-            <a:endParaRPr lang="en-US"/>
           </a:p>
         </p:txBody>
       </p:sp>
@@ -2133,7 +2117,7 @@
           <a:p>
             <a:fld id="{78C97017-6FC3-485B-9764-EAC9E56C1D49}" type="datetimeFigureOut">
               <a:rPr lang="en-US" smtClean="0"/>
-              <a:t>1/1/18</a:t>
+              <a:t>4/15/2018</a:t>
             </a:fld>
             <a:endParaRPr lang="en-US"/>
           </a:p>
@@ -2227,10 +2211,9 @@
           <a:lstStyle/>
           <a:p>
             <a:r>
-              <a:rPr lang="en-US" smtClean="0"/>
+              <a:rPr lang="en-US"/>
               <a:t>Click to edit Master title style</a:t>
             </a:r>
-            <a:endParaRPr lang="en-US"/>
           </a:p>
         </p:txBody>
       </p:sp>
@@ -2251,7 +2234,7 @@
           <a:p>
             <a:fld id="{78C97017-6FC3-485B-9764-EAC9E56C1D49}" type="datetimeFigureOut">
               <a:rPr lang="en-US" smtClean="0"/>
-              <a:t>1/1/18</a:t>
+              <a:t>4/15/2018</a:t>
             </a:fld>
             <a:endParaRPr lang="en-US"/>
           </a:p>
@@ -2346,7 +2329,7 @@
           <a:p>
             <a:fld id="{78C97017-6FC3-485B-9764-EAC9E56C1D49}" type="datetimeFigureOut">
               <a:rPr lang="en-US" smtClean="0"/>
-              <a:t>1/1/18</a:t>
+              <a:t>4/15/2018</a:t>
             </a:fld>
             <a:endParaRPr lang="en-US"/>
           </a:p>
@@ -2449,10 +2432,9 @@
           </a:lstStyle>
           <a:p>
             <a:r>
-              <a:rPr lang="en-US" smtClean="0"/>
+              <a:rPr lang="en-US"/>
               <a:t>Click to edit Master title style</a:t>
             </a:r>
-            <a:endParaRPr lang="en-US"/>
           </a:p>
         </p:txBody>
       </p:sp>
@@ -2506,38 +2488,37 @@
           <a:p>
             <a:pPr lvl="0"/>
             <a:r>
-              <a:rPr lang="en-US" smtClean="0"/>
+              <a:rPr lang="en-US"/>
               <a:t>Click to edit Master text styles</a:t>
             </a:r>
           </a:p>
           <a:p>
             <a:pPr lvl="1"/>
             <a:r>
-              <a:rPr lang="en-US" smtClean="0"/>
+              <a:rPr lang="en-US"/>
               <a:t>Second level</a:t>
             </a:r>
           </a:p>
           <a:p>
             <a:pPr lvl="2"/>
             <a:r>
-              <a:rPr lang="en-US" smtClean="0"/>
+              <a:rPr lang="en-US"/>
               <a:t>Third level</a:t>
             </a:r>
           </a:p>
           <a:p>
             <a:pPr lvl="3"/>
             <a:r>
-              <a:rPr lang="en-US" smtClean="0"/>
+              <a:rPr lang="en-US"/>
               <a:t>Fourth level</a:t>
             </a:r>
           </a:p>
           <a:p>
             <a:pPr lvl="4"/>
             <a:r>
-              <a:rPr lang="en-US" smtClean="0"/>
+              <a:rPr lang="en-US"/>
               <a:t>Fifth level</a:t>
             </a:r>
-            <a:endParaRPr lang="en-US"/>
           </a:p>
         </p:txBody>
       </p:sp>
@@ -2600,7 +2581,7 @@
           <a:p>
             <a:pPr lvl="0"/>
             <a:r>
-              <a:rPr lang="en-US" smtClean="0"/>
+              <a:rPr lang="en-US"/>
               <a:t>Click to edit Master text styles</a:t>
             </a:r>
           </a:p>
@@ -2623,7 +2604,7 @@
           <a:p>
             <a:fld id="{78C97017-6FC3-485B-9764-EAC9E56C1D49}" type="datetimeFigureOut">
               <a:rPr lang="en-US" smtClean="0"/>
-              <a:t>1/1/18</a:t>
+              <a:t>4/15/2018</a:t>
             </a:fld>
             <a:endParaRPr lang="en-US"/>
           </a:p>
@@ -2726,10 +2707,9 @@
           </a:lstStyle>
           <a:p>
             <a:r>
-              <a:rPr lang="en-US" smtClean="0"/>
+              <a:rPr lang="en-US"/>
               <a:t>Click to edit Master title style</a:t>
             </a:r>
-            <a:endParaRPr lang="en-US"/>
           </a:p>
         </p:txBody>
       </p:sp>
@@ -2853,7 +2833,7 @@
           <a:p>
             <a:pPr lvl="0"/>
             <a:r>
-              <a:rPr lang="en-US" smtClean="0"/>
+              <a:rPr lang="en-US"/>
               <a:t>Click to edit Master text styles</a:t>
             </a:r>
           </a:p>
@@ -2876,7 +2856,7 @@
           <a:p>
             <a:fld id="{78C97017-6FC3-485B-9764-EAC9E56C1D49}" type="datetimeFigureOut">
               <a:rPr lang="en-US" smtClean="0"/>
-              <a:t>1/1/18</a:t>
+              <a:t>4/15/2018</a:t>
             </a:fld>
             <a:endParaRPr lang="en-US"/>
           </a:p>
@@ -2985,10 +2965,9 @@
           <a:lstStyle/>
           <a:p>
             <a:r>
-              <a:rPr lang="en-US" smtClean="0"/>
+              <a:rPr lang="en-US"/>
               <a:t>Click to edit Master title style</a:t>
             </a:r>
-            <a:endParaRPr lang="en-US"/>
           </a:p>
         </p:txBody>
       </p:sp>
@@ -3019,38 +2998,37 @@
           <a:p>
             <a:pPr lvl="0"/>
             <a:r>
-              <a:rPr lang="en-US" smtClean="0"/>
+              <a:rPr lang="en-US"/>
               <a:t>Click to edit Master text styles</a:t>
             </a:r>
           </a:p>
           <a:p>
             <a:pPr lvl="1"/>
             <a:r>
-              <a:rPr lang="en-US" smtClean="0"/>
+              <a:rPr lang="en-US"/>
               <a:t>Second level</a:t>
             </a:r>
           </a:p>
           <a:p>
             <a:pPr lvl="2"/>
             <a:r>
-              <a:rPr lang="en-US" smtClean="0"/>
+              <a:rPr lang="en-US"/>
               <a:t>Third level</a:t>
             </a:r>
           </a:p>
           <a:p>
             <a:pPr lvl="3"/>
             <a:r>
-              <a:rPr lang="en-US" smtClean="0"/>
+              <a:rPr lang="en-US"/>
               <a:t>Fourth level</a:t>
             </a:r>
           </a:p>
           <a:p>
             <a:pPr lvl="4"/>
             <a:r>
-              <a:rPr lang="en-US" smtClean="0"/>
+              <a:rPr lang="en-US"/>
               <a:t>Fifth level</a:t>
             </a:r>
-            <a:endParaRPr lang="en-US"/>
           </a:p>
         </p:txBody>
       </p:sp>
@@ -3089,7 +3067,7 @@
           <a:p>
             <a:fld id="{78C97017-6FC3-485B-9764-EAC9E56C1D49}" type="datetimeFigureOut">
               <a:rPr lang="en-US" smtClean="0"/>
-              <a:t>1/1/18</a:t>
+              <a:t>4/15/2018</a:t>
             </a:fld>
             <a:endParaRPr lang="en-US"/>
           </a:p>
@@ -3472,8 +3450,8 @@
         </p:nvSpPr>
         <p:spPr>
           <a:xfrm>
-            <a:off x="1119865" y="1727200"/>
-            <a:ext cx="7490735" cy="2997200"/>
+            <a:off x="228600" y="228600"/>
+            <a:ext cx="8610600" cy="6172200"/>
           </a:xfrm>
           <a:prstGeom prst="roundRect">
             <a:avLst>
@@ -3510,7 +3488,7 @@
           <a:lstStyle/>
           <a:p>
             <a:r>
-              <a:rPr lang="en-US" sz="1200" b="1" dirty="0" smtClean="0">
+              <a:rPr lang="en-US" sz="1200" b="1" dirty="0">
                 <a:solidFill>
                   <a:srgbClr val="7030A0"/>
                 </a:solidFill>
@@ -3533,7 +3511,7 @@
         </p:nvSpPr>
         <p:spPr>
           <a:xfrm>
-            <a:off x="2877180" y="3158440"/>
+            <a:off x="2449195" y="3030107"/>
             <a:ext cx="1093635" cy="346760"/>
           </a:xfrm>
           <a:prstGeom prst="rect">
@@ -3569,7 +3547,7 @@
           <a:p>
             <a:pPr algn="ctr"/>
             <a:r>
-              <a:rPr lang="en-US" sz="1050" dirty="0" err="1" smtClean="0">
+              <a:rPr lang="en-US" sz="1050" dirty="0" err="1">
                 <a:solidFill>
                   <a:schemeClr val="bg1"/>
                 </a:solidFill>
@@ -3592,7 +3570,7 @@
         </p:nvSpPr>
         <p:spPr>
           <a:xfrm rot="16200000">
-            <a:off x="1683963" y="2868687"/>
+            <a:off x="1026185" y="2931256"/>
             <a:ext cx="1093635" cy="346760"/>
           </a:xfrm>
           <a:prstGeom prst="rect">
@@ -3628,7 +3606,7 @@
           <a:p>
             <a:pPr algn="ctr"/>
             <a:r>
-              <a:rPr lang="en-US" sz="1050" dirty="0" err="1" smtClean="0">
+              <a:rPr lang="en-US" sz="1050" dirty="0" err="1">
                 <a:solidFill>
                   <a:schemeClr val="bg1"/>
                 </a:solidFill>
@@ -3647,20 +3625,19 @@
         <p:nvCxnSpPr>
           <p:cNvPr id="107" name="Elbow Connector 106"/>
           <p:cNvCxnSpPr>
+            <a:cxnSpLocks/>
             <a:stCxn id="9" idx="1"/>
+            <a:endCxn id="399" idx="1"/>
           </p:cNvCxnSpPr>
           <p:nvPr/>
         </p:nvCxnSpPr>
         <p:spPr>
-          <a:xfrm rot="5400000" flipH="1" flipV="1">
-            <a:off x="4360065" y="1080909"/>
-            <a:ext cx="378691" cy="4637261"/>
-          </a:xfrm>
-          <a:prstGeom prst="bentConnector4">
-            <a:avLst>
-              <a:gd name="adj1" fmla="val -101829"/>
-              <a:gd name="adj2" fmla="val 99976"/>
-            </a:avLst>
+          <a:xfrm rot="16200000" flipH="1">
+            <a:off x="1608590" y="3615867"/>
+            <a:ext cx="591563" cy="662736"/>
+          </a:xfrm>
+          <a:prstGeom prst="bentConnector2">
+            <a:avLst/>
           </a:prstGeom>
           <a:ln w="19050">
             <a:solidFill>
@@ -3695,7 +3672,7 @@
         </p:nvSpPr>
         <p:spPr>
           <a:xfrm rot="16200000">
-            <a:off x="956202" y="2861202"/>
+            <a:off x="274711" y="2861202"/>
             <a:ext cx="1093635" cy="346760"/>
           </a:xfrm>
           <a:prstGeom prst="rect">
@@ -3742,7 +3719,7 @@
           <a:p>
             <a:pPr algn="ctr"/>
             <a:r>
-              <a:rPr lang="en-US" sz="1050" dirty="0" smtClean="0">
+              <a:rPr lang="en-US" sz="1050" dirty="0">
                 <a:solidFill>
                   <a:schemeClr val="bg1"/>
                 </a:solidFill>
@@ -3765,7 +3742,7 @@
         </p:nvSpPr>
         <p:spPr>
           <a:xfrm rot="16200000">
-            <a:off x="1626910" y="2952291"/>
+            <a:off x="945419" y="2952291"/>
             <a:ext cx="270504" cy="175523"/>
           </a:xfrm>
           <a:prstGeom prst="triangle">
@@ -3808,15 +3785,15 @@
         <p:nvCxnSpPr>
           <p:cNvPr id="58" name="Straight Arrow Connector 57"/>
           <p:cNvCxnSpPr>
-            <a:stCxn id="42" idx="3"/>
-            <a:endCxn id="2" idx="1"/>
+            <a:cxnSpLocks/>
+            <a:stCxn id="66" idx="2"/>
           </p:cNvCxnSpPr>
           <p:nvPr/>
         </p:nvCxnSpPr>
         <p:spPr>
           <a:xfrm>
-            <a:off x="2656370" y="3326536"/>
-            <a:ext cx="220810" cy="5284"/>
+            <a:off x="1965874" y="3193977"/>
+            <a:ext cx="449642" cy="10849"/>
           </a:xfrm>
           <a:prstGeom prst="straightConnector1">
             <a:avLst/>
@@ -3853,7 +3830,7 @@
         </p:nvCxnSpPr>
         <p:spPr>
           <a:xfrm>
-            <a:off x="910091" y="3040053"/>
+            <a:off x="228600" y="3040053"/>
             <a:ext cx="419548" cy="2860"/>
           </a:xfrm>
           <a:prstGeom prst="bentConnector3">
@@ -3898,7 +3875,7 @@
         </p:nvCxnSpPr>
         <p:spPr>
           <a:xfrm flipV="1">
-            <a:off x="1849924" y="3040052"/>
+            <a:off x="1168433" y="3040052"/>
             <a:ext cx="216105" cy="1"/>
           </a:xfrm>
           <a:prstGeom prst="line">
@@ -3937,7 +3914,7 @@
         </p:nvSpPr>
         <p:spPr>
           <a:xfrm>
-            <a:off x="2420322" y="3239846"/>
+            <a:off x="1725647" y="3099003"/>
             <a:ext cx="236048" cy="173380"/>
           </a:xfrm>
           <a:prstGeom prst="flowChartDecision">
@@ -3982,7 +3959,7 @@
         </p:nvSpPr>
         <p:spPr>
           <a:xfrm>
-            <a:off x="2879490" y="2627420"/>
+            <a:off x="2434587" y="2627420"/>
             <a:ext cx="1093635" cy="346760"/>
           </a:xfrm>
           <a:prstGeom prst="rect">
@@ -4015,7 +3992,7 @@
           <a:p>
             <a:pPr algn="ctr"/>
             <a:r>
-              <a:rPr lang="en-US" sz="1050" dirty="0" err="1" smtClean="0">
+              <a:rPr lang="en-US" sz="1050" dirty="0" err="1">
                 <a:solidFill>
                   <a:srgbClr val="7030A0"/>
                 </a:solidFill>
@@ -4041,8 +4018,8 @@
         </p:nvCxnSpPr>
         <p:spPr>
           <a:xfrm>
-            <a:off x="2658680" y="2795516"/>
-            <a:ext cx="220810" cy="5284"/>
+            <a:off x="1977189" y="2795516"/>
+            <a:ext cx="457398" cy="5284"/>
           </a:xfrm>
           <a:prstGeom prst="straightConnector1">
             <a:avLst/>
@@ -4079,7 +4056,7 @@
         </p:nvSpPr>
         <p:spPr>
           <a:xfrm>
-            <a:off x="2422632" y="2708826"/>
+            <a:off x="1741141" y="2708826"/>
             <a:ext cx="236048" cy="173380"/>
           </a:xfrm>
           <a:prstGeom prst="flowChartDecision">
@@ -4124,7 +4101,7 @@
         </p:nvSpPr>
         <p:spPr>
           <a:xfrm>
-            <a:off x="4487017" y="2847371"/>
+            <a:off x="4216042" y="2654790"/>
             <a:ext cx="1156969" cy="346760"/>
           </a:xfrm>
           <a:prstGeom prst="rect">
@@ -4157,7 +4134,7 @@
           <a:p>
             <a:pPr algn="ctr"/>
             <a:r>
-              <a:rPr lang="en-US" sz="1050" dirty="0" err="1" smtClean="0">
+              <a:rPr lang="en-US" sz="1050" dirty="0" err="1">
                 <a:solidFill>
                   <a:srgbClr val="7030A0"/>
                 </a:solidFill>
@@ -4180,8 +4157,8 @@
         </p:nvSpPr>
         <p:spPr>
           <a:xfrm>
-            <a:off x="3984303" y="2673991"/>
-            <a:ext cx="236048" cy="173380"/>
+            <a:off x="3542830" y="2712622"/>
+            <a:ext cx="196708" cy="128011"/>
           </a:xfrm>
           <a:prstGeom prst="flowChartDecision">
             <a:avLst/>
@@ -4223,6 +4200,7 @@
         <p:nvCxnSpPr>
           <p:cNvPr id="30" name="Elbow Connector 29"/>
           <p:cNvCxnSpPr>
+            <a:cxnSpLocks/>
             <a:stCxn id="51" idx="3"/>
             <a:endCxn id="49" idx="1"/>
           </p:cNvCxnSpPr>
@@ -4230,8 +4208,8 @@
         </p:nvCxnSpPr>
         <p:spPr>
           <a:xfrm>
-            <a:off x="4220351" y="2760681"/>
-            <a:ext cx="266666" cy="260070"/>
+            <a:off x="3739538" y="2776628"/>
+            <a:ext cx="476504" cy="51542"/>
           </a:xfrm>
           <a:prstGeom prst="bentConnector3">
             <a:avLst/>
@@ -4268,7 +4246,7 @@
         </p:nvSpPr>
         <p:spPr>
           <a:xfrm>
-            <a:off x="4477328" y="2280569"/>
+            <a:off x="4190956" y="2280569"/>
             <a:ext cx="1156969" cy="346760"/>
           </a:xfrm>
           <a:prstGeom prst="rect">
@@ -4301,7 +4279,7 @@
           <a:p>
             <a:pPr algn="ctr"/>
             <a:r>
-              <a:rPr lang="en-US" sz="1050" dirty="0" err="1" smtClean="0">
+              <a:rPr lang="en-US" sz="1050" dirty="0" err="1">
                 <a:solidFill>
                   <a:srgbClr val="7030A0"/>
                 </a:solidFill>
@@ -4320,6 +4298,7 @@
         <p:nvCxnSpPr>
           <p:cNvPr id="59" name="Elbow Connector 58"/>
           <p:cNvCxnSpPr>
+            <a:cxnSpLocks/>
             <a:stCxn id="51" idx="3"/>
             <a:endCxn id="57" idx="1"/>
           </p:cNvCxnSpPr>
@@ -4327,8 +4306,8 @@
         </p:nvCxnSpPr>
         <p:spPr>
           <a:xfrm flipV="1">
-            <a:off x="4220351" y="2453949"/>
-            <a:ext cx="256977" cy="306732"/>
+            <a:off x="3739538" y="2453949"/>
+            <a:ext cx="451418" cy="322679"/>
           </a:xfrm>
           <a:prstGeom prst="bentConnector3">
             <a:avLst>
@@ -4367,7 +4346,7 @@
         </p:nvSpPr>
         <p:spPr>
           <a:xfrm>
-            <a:off x="6313677" y="2858066"/>
+            <a:off x="7100460" y="2414360"/>
             <a:ext cx="708186" cy="346760"/>
           </a:xfrm>
           <a:prstGeom prst="rect">
@@ -4400,7 +4379,7 @@
           <a:p>
             <a:pPr algn="ctr"/>
             <a:r>
-              <a:rPr lang="en-US" sz="1050" dirty="0" smtClean="0">
+              <a:rPr lang="en-US" sz="1050" dirty="0">
                 <a:solidFill>
                   <a:srgbClr val="7030A0"/>
                 </a:solidFill>
@@ -4423,7 +4402,7 @@
         </p:nvSpPr>
         <p:spPr>
           <a:xfrm>
-            <a:off x="5643227" y="2943979"/>
+            <a:off x="5356855" y="2741941"/>
             <a:ext cx="236048" cy="173380"/>
           </a:xfrm>
           <a:prstGeom prst="flowChartDecision">
@@ -4470,12 +4449,14 @@
           <p:nvPr/>
         </p:nvCxnSpPr>
         <p:spPr>
-          <a:xfrm>
-            <a:off x="5879275" y="3030669"/>
-            <a:ext cx="434402" cy="777"/>
+          <a:xfrm flipV="1">
+            <a:off x="5592903" y="2587740"/>
+            <a:ext cx="1507557" cy="240891"/>
           </a:xfrm>
           <a:prstGeom prst="bentConnector3">
-            <a:avLst/>
+            <a:avLst>
+              <a:gd name="adj1" fmla="val 4040"/>
+            </a:avLst>
           </a:prstGeom>
           <a:ln w="19050">
             <a:solidFill>
@@ -4509,7 +4490,7 @@
         </p:nvSpPr>
         <p:spPr>
           <a:xfrm>
-            <a:off x="5336105" y="1809332"/>
+            <a:off x="5029200" y="1809332"/>
             <a:ext cx="483700" cy="346760"/>
           </a:xfrm>
           <a:prstGeom prst="rect">
@@ -4542,7 +4523,7 @@
           <a:p>
             <a:pPr algn="ctr"/>
             <a:r>
-              <a:rPr lang="en-US" sz="1050" dirty="0" smtClean="0">
+              <a:rPr lang="en-US" sz="1050" dirty="0">
                 <a:solidFill>
                   <a:srgbClr val="7030A0"/>
                 </a:solidFill>
@@ -4565,7 +4546,7 @@
         </p:nvSpPr>
         <p:spPr>
           <a:xfrm rot="16200000">
-            <a:off x="4921666" y="2066540"/>
+            <a:off x="4635294" y="2066540"/>
             <a:ext cx="236048" cy="173380"/>
           </a:xfrm>
           <a:prstGeom prst="flowChartDecision">
@@ -4606,14 +4587,14 @@
         <p:nvCxnSpPr>
           <p:cNvPr id="69" name="Elbow Connector 68"/>
           <p:cNvCxnSpPr>
+            <a:cxnSpLocks/>
             <a:stCxn id="68" idx="3"/>
-            <a:endCxn id="67" idx="1"/>
           </p:cNvCxnSpPr>
           <p:nvPr/>
         </p:nvCxnSpPr>
         <p:spPr>
           <a:xfrm rot="5400000" flipH="1" flipV="1">
-            <a:off x="5161650" y="1860752"/>
+            <a:off x="4875278" y="1860752"/>
             <a:ext cx="52494" cy="296415"/>
           </a:xfrm>
           <a:prstGeom prst="bentConnector2">
@@ -4651,7 +4632,7 @@
         </p:nvSpPr>
         <p:spPr>
           <a:xfrm>
-            <a:off x="7712397" y="2564238"/>
+            <a:off x="7978614" y="1066800"/>
             <a:ext cx="708186" cy="285783"/>
           </a:xfrm>
           <a:prstGeom prst="rect">
@@ -4684,7 +4665,7 @@
           <a:p>
             <a:pPr algn="ctr"/>
             <a:r>
-              <a:rPr lang="en-US" sz="1050" dirty="0" smtClean="0">
+              <a:rPr lang="en-US" sz="1050" dirty="0">
                 <a:solidFill>
                   <a:srgbClr val="7030A0"/>
                 </a:solidFill>
@@ -4707,7 +4688,7 @@
         </p:nvSpPr>
         <p:spPr>
           <a:xfrm>
-            <a:off x="7041947" y="2948201"/>
+            <a:off x="7323901" y="2218063"/>
             <a:ext cx="236048" cy="173380"/>
           </a:xfrm>
           <a:prstGeom prst="flowChartDecision">
@@ -4750,17 +4731,18 @@
         <p:nvCxnSpPr>
           <p:cNvPr id="79" name="Elbow Connector 78"/>
           <p:cNvCxnSpPr>
-            <a:stCxn id="78" idx="3"/>
+            <a:cxnSpLocks/>
+            <a:stCxn id="78" idx="0"/>
             <a:endCxn id="76" idx="1"/>
           </p:cNvCxnSpPr>
           <p:nvPr/>
         </p:nvCxnSpPr>
         <p:spPr>
-          <a:xfrm flipV="1">
-            <a:off x="7277995" y="2707130"/>
-            <a:ext cx="434402" cy="327761"/>
-          </a:xfrm>
-          <a:prstGeom prst="bentConnector3">
+          <a:xfrm rot="5400000" flipH="1" flipV="1">
+            <a:off x="7206084" y="1445534"/>
+            <a:ext cx="1008371" cy="536689"/>
+          </a:xfrm>
+          <a:prstGeom prst="bentConnector2">
             <a:avLst/>
           </a:prstGeom>
           <a:ln w="19050">
@@ -4795,7 +4777,7 @@
         </p:nvSpPr>
         <p:spPr>
           <a:xfrm>
-            <a:off x="7712397" y="2887216"/>
+            <a:off x="7978614" y="1389778"/>
             <a:ext cx="708186" cy="285783"/>
           </a:xfrm>
           <a:prstGeom prst="rect">
@@ -4828,7 +4810,7 @@
           <a:p>
             <a:pPr algn="ctr"/>
             <a:r>
-              <a:rPr lang="en-US" sz="1050" dirty="0" smtClean="0">
+              <a:rPr lang="en-US" sz="1050" dirty="0">
                 <a:solidFill>
                   <a:srgbClr val="7030A0"/>
                 </a:solidFill>
@@ -4847,6 +4829,7 @@
         <p:nvCxnSpPr>
           <p:cNvPr id="81" name="Elbow Connector 80"/>
           <p:cNvCxnSpPr>
+            <a:cxnSpLocks/>
             <a:stCxn id="78" idx="3"/>
             <a:endCxn id="80" idx="1"/>
           </p:cNvCxnSpPr>
@@ -4854,8 +4837,8 @@
         </p:nvCxnSpPr>
         <p:spPr>
           <a:xfrm flipV="1">
-            <a:off x="7277995" y="3030108"/>
-            <a:ext cx="434402" cy="4783"/>
+            <a:off x="7559949" y="1532670"/>
+            <a:ext cx="418665" cy="772083"/>
           </a:xfrm>
           <a:prstGeom prst="bentConnector3">
             <a:avLst/>
@@ -4892,7 +4875,7 @@
         </p:nvSpPr>
         <p:spPr>
           <a:xfrm>
-            <a:off x="7712397" y="3210194"/>
+            <a:off x="7978614" y="1712756"/>
             <a:ext cx="708186" cy="285783"/>
           </a:xfrm>
           <a:prstGeom prst="rect">
@@ -4925,7 +4908,7 @@
           <a:p>
             <a:pPr algn="ctr"/>
             <a:r>
-              <a:rPr lang="en-US" sz="1050" dirty="0" smtClean="0">
+              <a:rPr lang="en-US" sz="1050" dirty="0">
                 <a:solidFill>
                   <a:srgbClr val="7030A0"/>
                 </a:solidFill>
@@ -4944,18 +4927,21 @@
         <p:nvCxnSpPr>
           <p:cNvPr id="84" name="Elbow Connector 83"/>
           <p:cNvCxnSpPr>
+            <a:cxnSpLocks/>
             <a:stCxn id="78" idx="3"/>
             <a:endCxn id="83" idx="1"/>
           </p:cNvCxnSpPr>
           <p:nvPr/>
         </p:nvCxnSpPr>
         <p:spPr>
-          <a:xfrm>
-            <a:off x="7277995" y="3034891"/>
-            <a:ext cx="434402" cy="318195"/>
+          <a:xfrm flipV="1">
+            <a:off x="7559949" y="1855648"/>
+            <a:ext cx="418665" cy="449105"/>
           </a:xfrm>
           <a:prstGeom prst="bentConnector3">
-            <a:avLst/>
+            <a:avLst>
+              <a:gd name="adj1" fmla="val 50000"/>
+            </a:avLst>
           </a:prstGeom>
           <a:ln w="19050">
             <a:solidFill>
@@ -4989,7 +4975,7 @@
         </p:nvSpPr>
         <p:spPr>
           <a:xfrm>
-            <a:off x="7712397" y="3533171"/>
+            <a:off x="7978614" y="2035733"/>
             <a:ext cx="708186" cy="285783"/>
           </a:xfrm>
           <a:prstGeom prst="rect">
@@ -5022,7 +5008,7 @@
           <a:p>
             <a:pPr algn="ctr"/>
             <a:r>
-              <a:rPr lang="en-US" sz="1050" dirty="0" smtClean="0">
+              <a:rPr lang="en-US" sz="1050" dirty="0">
                 <a:solidFill>
                   <a:srgbClr val="7030A0"/>
                 </a:solidFill>
@@ -5041,15 +5027,16 @@
         <p:nvCxnSpPr>
           <p:cNvPr id="86" name="Elbow Connector 85"/>
           <p:cNvCxnSpPr>
+            <a:cxnSpLocks/>
             <a:stCxn id="78" idx="3"/>
             <a:endCxn id="85" idx="1"/>
           </p:cNvCxnSpPr>
           <p:nvPr/>
         </p:nvCxnSpPr>
         <p:spPr>
-          <a:xfrm>
-            <a:off x="7277995" y="3034891"/>
-            <a:ext cx="434402" cy="641172"/>
+          <a:xfrm flipV="1">
+            <a:off x="7559949" y="2178625"/>
+            <a:ext cx="418665" cy="126128"/>
           </a:xfrm>
           <a:prstGeom prst="bentConnector3">
             <a:avLst/>
@@ -5088,7 +5075,7 @@
         </p:nvCxnSpPr>
         <p:spPr>
           <a:xfrm rot="16200000" flipH="1">
-            <a:off x="3279321" y="2485431"/>
+            <a:off x="2834418" y="2485431"/>
             <a:ext cx="293825" cy="1"/>
           </a:xfrm>
           <a:prstGeom prst="bentConnector3">
@@ -5129,7 +5116,7 @@
         </p:nvSpPr>
         <p:spPr>
           <a:xfrm rot="10800000" flipV="1">
-            <a:off x="3290981" y="2162997"/>
+            <a:off x="2846078" y="2162997"/>
             <a:ext cx="270504" cy="175523"/>
           </a:xfrm>
           <a:prstGeom prst="triangle">
@@ -5177,7 +5164,7 @@
         </p:nvSpPr>
         <p:spPr>
           <a:xfrm>
-            <a:off x="2660303" y="1806470"/>
+            <a:off x="2274558" y="1780083"/>
             <a:ext cx="1539926" cy="346760"/>
           </a:xfrm>
           <a:prstGeom prst="rect">
@@ -5210,7 +5197,7 @@
           <a:p>
             <a:pPr algn="ctr"/>
             <a:r>
-              <a:rPr lang="en-US" sz="1050" dirty="0" smtClean="0">
+              <a:rPr lang="en-US" sz="1050" dirty="0">
                 <a:solidFill>
                   <a:srgbClr val="7030A0"/>
                 </a:solidFill>
@@ -5218,14 +5205,14 @@
               <a:t>&lt;&lt;interface&gt;&gt;</a:t>
             </a:r>
             <a:br>
-              <a:rPr lang="en-US" sz="1050" dirty="0" smtClean="0">
+              <a:rPr lang="en-US" sz="1050" dirty="0">
                 <a:solidFill>
                   <a:srgbClr val="7030A0"/>
                 </a:solidFill>
               </a:rPr>
             </a:br>
             <a:r>
-              <a:rPr lang="en-US" sz="1050" dirty="0" err="1" smtClean="0">
+              <a:rPr lang="en-US" sz="1050" dirty="0" err="1">
                 <a:solidFill>
                   <a:srgbClr val="7030A0"/>
                 </a:solidFill>
@@ -5247,8 +5234,8 @@
           <p:nvPr/>
         </p:nvSpPr>
         <p:spPr>
-          <a:xfrm rot="16200000">
-            <a:off x="6527512" y="3586305"/>
+          <a:xfrm>
+            <a:off x="1468036" y="3934432"/>
             <a:ext cx="881018" cy="261610"/>
           </a:xfrm>
           <a:prstGeom prst="rect">
@@ -5264,7 +5251,7 @@
           <a:p>
             <a:pPr algn="r"/>
             <a:r>
-              <a:rPr lang="en-US" sz="1100" dirty="0" smtClean="0">
+              <a:rPr lang="en-US" sz="1100" dirty="0">
                 <a:solidFill>
                   <a:srgbClr val="7030A0"/>
                 </a:solidFill>
@@ -5287,7 +5274,7 @@
         </p:nvSpPr>
         <p:spPr>
           <a:xfrm>
-            <a:off x="2057401" y="4239491"/>
+            <a:off x="423161" y="4957663"/>
             <a:ext cx="1066800" cy="346760"/>
           </a:xfrm>
           <a:prstGeom prst="rect">
@@ -5320,20 +5307,12 @@
           <a:p>
             <a:pPr algn="ctr"/>
             <a:r>
-              <a:rPr lang="en-US" sz="1050" dirty="0" smtClean="0">
+              <a:rPr lang="en-US" sz="1050" dirty="0">
                 <a:solidFill>
                   <a:srgbClr val="7030A0"/>
                 </a:solidFill>
               </a:rPr>
               <a:t>&lt;&lt;interface&gt;&gt;</a:t>
-            </a:r>
-            <a:r>
-              <a:rPr lang="en-US" sz="1050">
-                <a:solidFill>
-                  <a:srgbClr val="7030A0"/>
-                </a:solidFill>
-              </a:rPr>
-              <a:t/>
             </a:r>
             <a:br>
               <a:rPr lang="en-US" sz="1050">
@@ -5343,7 +5322,7 @@
               </a:rPr>
             </a:br>
             <a:r>
-              <a:rPr lang="en-US" sz="1050" dirty="0" err="1" smtClean="0">
+              <a:rPr lang="en-US" sz="1050" dirty="0" err="1">
                 <a:solidFill>
                   <a:srgbClr val="7030A0"/>
                 </a:solidFill>
@@ -5362,18 +5341,21 @@
         <p:nvCxnSpPr>
           <p:cNvPr id="124" name="Elbow Connector 122"/>
           <p:cNvCxnSpPr>
+            <a:cxnSpLocks/>
             <a:stCxn id="119" idx="1"/>
-            <a:endCxn id="122" idx="1"/>
+            <a:endCxn id="122" idx="0"/>
           </p:cNvCxnSpPr>
           <p:nvPr/>
         </p:nvCxnSpPr>
         <p:spPr>
           <a:xfrm rot="16200000" flipH="1">
-            <a:off x="1364475" y="3719944"/>
-            <a:ext cx="831471" cy="554381"/>
-          </a:xfrm>
-          <a:prstGeom prst="bentConnector2">
-            <a:avLst/>
+            <a:off x="200914" y="4202015"/>
+            <a:ext cx="1376263" cy="135032"/>
+          </a:xfrm>
+          <a:prstGeom prst="bentConnector3">
+            <a:avLst>
+              <a:gd name="adj1" fmla="val 50000"/>
+            </a:avLst>
           </a:prstGeom>
           <a:ln w="19050">
             <a:solidFill>
@@ -5404,18 +5386,22 @@
         <p:nvCxnSpPr>
           <p:cNvPr id="50" name="Elbow Connector 49"/>
           <p:cNvCxnSpPr>
-            <a:stCxn id="62" idx="0"/>
+            <a:cxnSpLocks/>
+            <a:stCxn id="78" idx="0"/>
             <a:endCxn id="57" idx="3"/>
           </p:cNvCxnSpPr>
           <p:nvPr/>
         </p:nvCxnSpPr>
         <p:spPr>
-          <a:xfrm rot="16200000" flipV="1">
-            <a:off x="5948976" y="2139271"/>
-            <a:ext cx="404117" cy="1033473"/>
-          </a:xfrm>
-          <a:prstGeom prst="bentConnector2">
-            <a:avLst/>
+          <a:xfrm rot="16200000" flipH="1" flipV="1">
+            <a:off x="6276982" y="1289006"/>
+            <a:ext cx="235886" cy="2094000"/>
+          </a:xfrm>
+          <a:prstGeom prst="bentConnector4">
+            <a:avLst>
+              <a:gd name="adj1" fmla="val -96911"/>
+              <a:gd name="adj2" fmla="val 52818"/>
+            </a:avLst>
           </a:prstGeom>
           <a:ln w="19050">
             <a:solidFill>
@@ -5449,7 +5435,7 @@
         </p:nvSpPr>
         <p:spPr>
           <a:xfrm>
-            <a:off x="4324972" y="2191228"/>
+            <a:off x="4038600" y="2191228"/>
             <a:ext cx="189257" cy="178683"/>
           </a:xfrm>
           <a:prstGeom prst="rect">
@@ -5465,7 +5451,7 @@
           <a:p>
             <a:pPr algn="ctr"/>
             <a:r>
-              <a:rPr lang="en-US" sz="1100" dirty="0" smtClean="0">
+              <a:rPr lang="en-US" sz="1100" dirty="0">
                 <a:solidFill>
                   <a:srgbClr val="7030A0"/>
                 </a:solidFill>
@@ -5482,13 +5468,13 @@
       </p:sp>
       <p:sp>
         <p:nvSpPr>
-          <p:cNvPr id="54" name="TextBox 53"/>
+          <p:cNvPr id="56" name="TextBox 55"/>
           <p:cNvSpPr txBox="1"/>
           <p:nvPr/>
         </p:nvSpPr>
         <p:spPr>
           <a:xfrm>
-            <a:off x="4324972" y="3058864"/>
+            <a:off x="5403389" y="2495413"/>
             <a:ext cx="189257" cy="178683"/>
           </a:xfrm>
           <a:prstGeom prst="rect">
@@ -5504,7 +5490,7 @@
           <a:p>
             <a:pPr algn="ctr"/>
             <a:r>
-              <a:rPr lang="en-US" sz="1100" dirty="0" smtClean="0">
+              <a:rPr lang="en-US" sz="1100" dirty="0">
                 <a:solidFill>
                   <a:srgbClr val="7030A0"/>
                 </a:solidFill>
@@ -5521,14 +5507,14 @@
       </p:sp>
       <p:sp>
         <p:nvSpPr>
-          <p:cNvPr id="56" name="TextBox 55"/>
+          <p:cNvPr id="60" name="TextBox 59"/>
           <p:cNvSpPr txBox="1"/>
           <p:nvPr/>
         </p:nvSpPr>
         <p:spPr>
           <a:xfrm>
-            <a:off x="5689761" y="2495413"/>
-            <a:ext cx="189257" cy="178683"/>
+            <a:off x="4858371" y="1821581"/>
+            <a:ext cx="170829" cy="159619"/>
           </a:xfrm>
           <a:prstGeom prst="rect">
             <a:avLst/>
@@ -5543,7 +5529,85 @@
           <a:p>
             <a:pPr algn="ctr"/>
             <a:r>
-              <a:rPr lang="en-US" sz="1100" dirty="0" smtClean="0">
+              <a:rPr lang="en-US" sz="1100" dirty="0">
+                <a:solidFill>
+                  <a:srgbClr val="7030A0"/>
+                </a:solidFill>
+              </a:rPr>
+              <a:t>*</a:t>
+            </a:r>
+            <a:endParaRPr lang="en-SG" sz="1100" dirty="0">
+              <a:solidFill>
+                <a:srgbClr val="7030A0"/>
+              </a:solidFill>
+            </a:endParaRPr>
+          </a:p>
+        </p:txBody>
+      </p:sp>
+      <p:sp>
+        <p:nvSpPr>
+          <p:cNvPr id="61" name="TextBox 60"/>
+          <p:cNvSpPr txBox="1"/>
+          <p:nvPr/>
+        </p:nvSpPr>
+        <p:spPr>
+          <a:xfrm>
+            <a:off x="6730626" y="2437585"/>
+            <a:ext cx="189257" cy="178683"/>
+          </a:xfrm>
+          <a:prstGeom prst="rect">
+            <a:avLst/>
+          </a:prstGeom>
+          <a:noFill/>
+        </p:spPr>
+        <p:txBody>
+          <a:bodyPr wrap="square" lIns="0" tIns="0" rIns="0" bIns="0" rtlCol="0">
+            <a:noAutofit/>
+          </a:bodyPr>
+          <a:lstStyle/>
+          <a:p>
+            <a:pPr algn="ctr"/>
+            <a:r>
+              <a:rPr lang="en-US" sz="1100" dirty="0">
+                <a:solidFill>
+                  <a:srgbClr val="7030A0"/>
+                </a:solidFill>
+              </a:rPr>
+              <a:t>*</a:t>
+            </a:r>
+            <a:endParaRPr lang="en-SG" sz="1100" dirty="0">
+              <a:solidFill>
+                <a:srgbClr val="7030A0"/>
+              </a:solidFill>
+            </a:endParaRPr>
+          </a:p>
+        </p:txBody>
+      </p:sp>
+      <p:sp>
+        <p:nvSpPr>
+          <p:cNvPr id="65" name="TextBox 64"/>
+          <p:cNvSpPr txBox="1"/>
+          <p:nvPr/>
+        </p:nvSpPr>
+        <p:spPr>
+          <a:xfrm>
+            <a:off x="1752600" y="2564238"/>
+            <a:ext cx="189257" cy="178683"/>
+          </a:xfrm>
+          <a:prstGeom prst="rect">
+            <a:avLst/>
+          </a:prstGeom>
+          <a:noFill/>
+        </p:spPr>
+        <p:txBody>
+          <a:bodyPr wrap="square" lIns="0" tIns="0" rIns="0" bIns="0" rtlCol="0">
+            <a:noAutofit/>
+          </a:bodyPr>
+          <a:lstStyle/>
+          <a:p>
+            <a:pPr algn="ctr"/>
+            <a:r>
+              <a:rPr lang="en-US" sz="1100" dirty="0">
                 <a:solidFill>
                   <a:srgbClr val="7030A0"/>
                 </a:solidFill>
@@ -5560,13 +5624,13 @@
       </p:sp>
       <p:sp>
         <p:nvSpPr>
-          <p:cNvPr id="60" name="TextBox 59"/>
+          <p:cNvPr id="66" name="TextBox 65"/>
           <p:cNvSpPr txBox="1"/>
           <p:nvPr/>
         </p:nvSpPr>
         <p:spPr>
           <a:xfrm>
-            <a:off x="5163172" y="1778919"/>
+            <a:off x="1871245" y="3015294"/>
             <a:ext cx="189257" cy="178683"/>
           </a:xfrm>
           <a:prstGeom prst="rect">
@@ -5582,7 +5646,1437 @@
           <a:p>
             <a:pPr algn="ctr"/>
             <a:r>
-              <a:rPr lang="en-US" sz="1100" dirty="0" smtClean="0">
+              <a:rPr lang="en-US" sz="1100" dirty="0">
+                <a:solidFill>
+                  <a:srgbClr val="7030A0"/>
+                </a:solidFill>
+              </a:rPr>
+              <a:t>1</a:t>
+            </a:r>
+            <a:endParaRPr lang="en-SG" sz="1100" dirty="0">
+              <a:solidFill>
+                <a:srgbClr val="7030A0"/>
+              </a:solidFill>
+            </a:endParaRPr>
+          </a:p>
+        </p:txBody>
+      </p:sp>
+      <p:sp>
+        <p:nvSpPr>
+          <p:cNvPr id="236" name="Rectangle 8">
+            <a:extLst>
+              <a:ext uri="{FF2B5EF4-FFF2-40B4-BE49-F238E27FC236}">
+                <a16:creationId xmlns:a16="http://schemas.microsoft.com/office/drawing/2014/main" id="{AAB762CD-11E2-4867-8B0E-3869156ED139}"/>
+              </a:ext>
+            </a:extLst>
+          </p:cNvPr>
+          <p:cNvSpPr/>
+          <p:nvPr/>
+        </p:nvSpPr>
+        <p:spPr>
+          <a:xfrm>
+            <a:off x="6022440" y="2840633"/>
+            <a:ext cx="708186" cy="285783"/>
+          </a:xfrm>
+          <a:prstGeom prst="rect">
+            <a:avLst/>
+          </a:prstGeom>
+          <a:ln w="19050">
+            <a:solidFill>
+              <a:srgbClr val="7030A0"/>
+            </a:solidFill>
+          </a:ln>
+          <a:effectLst/>
+        </p:spPr>
+        <p:style>
+          <a:lnRef idx="1">
+            <a:schemeClr val="accent4"/>
+          </a:lnRef>
+          <a:fillRef idx="2">
+            <a:schemeClr val="accent4"/>
+          </a:fillRef>
+          <a:effectRef idx="1">
+            <a:schemeClr val="accent4"/>
+          </a:effectRef>
+          <a:fontRef idx="minor">
+            <a:schemeClr val="dk1"/>
+          </a:fontRef>
+        </p:style>
+        <p:txBody>
+          <a:bodyPr rtlCol="0" anchor="ctr"/>
+          <a:lstStyle/>
+          <a:p>
+            <a:pPr algn="ctr"/>
+            <a:r>
+              <a:rPr lang="en-US" sz="800" dirty="0">
+                <a:solidFill>
+                  <a:srgbClr val="7030A0"/>
+                </a:solidFill>
+              </a:rPr>
+              <a:t>Balance</a:t>
+            </a:r>
+            <a:endParaRPr lang="en-SG" sz="800" dirty="0">
+              <a:solidFill>
+                <a:srgbClr val="7030A0"/>
+              </a:solidFill>
+            </a:endParaRPr>
+          </a:p>
+        </p:txBody>
+      </p:sp>
+      <p:sp>
+        <p:nvSpPr>
+          <p:cNvPr id="299" name="Rectangle 8">
+            <a:extLst>
+              <a:ext uri="{FF2B5EF4-FFF2-40B4-BE49-F238E27FC236}">
+                <a16:creationId xmlns:a16="http://schemas.microsoft.com/office/drawing/2014/main" id="{81B00CFF-AC8A-440D-98D6-336E4BE53735}"/>
+              </a:ext>
+            </a:extLst>
+          </p:cNvPr>
+          <p:cNvSpPr/>
+          <p:nvPr/>
+        </p:nvSpPr>
+        <p:spPr>
+          <a:xfrm>
+            <a:off x="7000950" y="3376867"/>
+            <a:ext cx="708186" cy="346760"/>
+          </a:xfrm>
+          <a:prstGeom prst="rect">
+            <a:avLst/>
+          </a:prstGeom>
+          <a:ln w="19050">
+            <a:solidFill>
+              <a:srgbClr val="7030A0"/>
+            </a:solidFill>
+          </a:ln>
+          <a:effectLst/>
+        </p:spPr>
+        <p:style>
+          <a:lnRef idx="1">
+            <a:schemeClr val="accent4"/>
+          </a:lnRef>
+          <a:fillRef idx="2">
+            <a:schemeClr val="accent4"/>
+          </a:fillRef>
+          <a:effectRef idx="1">
+            <a:schemeClr val="accent4"/>
+          </a:effectRef>
+          <a:fontRef idx="minor">
+            <a:schemeClr val="dk1"/>
+          </a:fontRef>
+        </p:style>
+        <p:txBody>
+          <a:bodyPr rtlCol="0" anchor="ctr"/>
+          <a:lstStyle/>
+          <a:p>
+            <a:pPr algn="ctr"/>
+            <a:r>
+              <a:rPr lang="en-US" sz="1050" dirty="0">
+                <a:solidFill>
+                  <a:srgbClr val="7030A0"/>
+                </a:solidFill>
+              </a:rPr>
+              <a:t>Debtor</a:t>
+            </a:r>
+            <a:endParaRPr lang="en-SG" sz="1050" dirty="0">
+              <a:solidFill>
+                <a:srgbClr val="7030A0"/>
+              </a:solidFill>
+            </a:endParaRPr>
+          </a:p>
+        </p:txBody>
+      </p:sp>
+      <p:sp>
+        <p:nvSpPr>
+          <p:cNvPr id="300" name="Rectangle 8">
+            <a:extLst>
+              <a:ext uri="{FF2B5EF4-FFF2-40B4-BE49-F238E27FC236}">
+                <a16:creationId xmlns:a16="http://schemas.microsoft.com/office/drawing/2014/main" id="{47C02FE4-C67E-4CD6-9AEF-C21B22EA5778}"/>
+              </a:ext>
+            </a:extLst>
+          </p:cNvPr>
+          <p:cNvSpPr/>
+          <p:nvPr/>
+        </p:nvSpPr>
+        <p:spPr>
+          <a:xfrm>
+            <a:off x="6022440" y="3621557"/>
+            <a:ext cx="708186" cy="346760"/>
+          </a:xfrm>
+          <a:prstGeom prst="rect">
+            <a:avLst/>
+          </a:prstGeom>
+          <a:ln w="19050">
+            <a:solidFill>
+              <a:srgbClr val="7030A0"/>
+            </a:solidFill>
+          </a:ln>
+          <a:effectLst/>
+        </p:spPr>
+        <p:style>
+          <a:lnRef idx="1">
+            <a:schemeClr val="accent4"/>
+          </a:lnRef>
+          <a:fillRef idx="2">
+            <a:schemeClr val="accent4"/>
+          </a:fillRef>
+          <a:effectRef idx="1">
+            <a:schemeClr val="accent4"/>
+          </a:effectRef>
+          <a:fontRef idx="minor">
+            <a:schemeClr val="dk1"/>
+          </a:fontRef>
+        </p:style>
+        <p:txBody>
+          <a:bodyPr rtlCol="0" anchor="ctr"/>
+          <a:lstStyle/>
+          <a:p>
+            <a:pPr algn="ctr"/>
+            <a:r>
+              <a:rPr lang="en-US" sz="1050" dirty="0">
+                <a:solidFill>
+                  <a:srgbClr val="7030A0"/>
+                </a:solidFill>
+              </a:rPr>
+              <a:t>Creditor</a:t>
+            </a:r>
+            <a:endParaRPr lang="en-SG" sz="1050" dirty="0">
+              <a:solidFill>
+                <a:srgbClr val="7030A0"/>
+              </a:solidFill>
+            </a:endParaRPr>
+          </a:p>
+        </p:txBody>
+      </p:sp>
+      <p:sp>
+        <p:nvSpPr>
+          <p:cNvPr id="301" name="Rectangle 8">
+            <a:extLst>
+              <a:ext uri="{FF2B5EF4-FFF2-40B4-BE49-F238E27FC236}">
+                <a16:creationId xmlns:a16="http://schemas.microsoft.com/office/drawing/2014/main" id="{F21261D8-C4B0-4A4B-A6F9-799EB0736999}"/>
+              </a:ext>
+            </a:extLst>
+          </p:cNvPr>
+          <p:cNvSpPr/>
+          <p:nvPr/>
+        </p:nvSpPr>
+        <p:spPr>
+          <a:xfrm>
+            <a:off x="4812845" y="3526853"/>
+            <a:ext cx="708186" cy="285783"/>
+          </a:xfrm>
+          <a:prstGeom prst="rect">
+            <a:avLst/>
+          </a:prstGeom>
+          <a:ln w="19050">
+            <a:solidFill>
+              <a:srgbClr val="7030A0"/>
+            </a:solidFill>
+          </a:ln>
+          <a:effectLst/>
+        </p:spPr>
+        <p:style>
+          <a:lnRef idx="1">
+            <a:schemeClr val="accent4"/>
+          </a:lnRef>
+          <a:fillRef idx="2">
+            <a:schemeClr val="accent4"/>
+          </a:fillRef>
+          <a:effectRef idx="1">
+            <a:schemeClr val="accent4"/>
+          </a:effectRef>
+          <a:fontRef idx="minor">
+            <a:schemeClr val="dk1"/>
+          </a:fontRef>
+        </p:style>
+        <p:txBody>
+          <a:bodyPr rtlCol="0" anchor="ctr"/>
+          <a:lstStyle/>
+          <a:p>
+            <a:pPr algn="ctr"/>
+            <a:r>
+              <a:rPr lang="en-US" sz="800" dirty="0">
+                <a:solidFill>
+                  <a:srgbClr val="7030A0"/>
+                </a:solidFill>
+              </a:rPr>
+              <a:t>Transaction</a:t>
+            </a:r>
+            <a:endParaRPr lang="en-SG" sz="800" dirty="0">
+              <a:solidFill>
+                <a:srgbClr val="7030A0"/>
+              </a:solidFill>
+            </a:endParaRPr>
+          </a:p>
+        </p:txBody>
+      </p:sp>
+      <p:sp>
+        <p:nvSpPr>
+          <p:cNvPr id="302" name="Flowchart: Decision 96">
+            <a:extLst>
+              <a:ext uri="{FF2B5EF4-FFF2-40B4-BE49-F238E27FC236}">
+                <a16:creationId xmlns:a16="http://schemas.microsoft.com/office/drawing/2014/main" id="{C08DCC03-B4F8-4F5D-8405-F3AB4317F1DD}"/>
+              </a:ext>
+            </a:extLst>
+          </p:cNvPr>
+          <p:cNvSpPr/>
+          <p:nvPr/>
+        </p:nvSpPr>
+        <p:spPr>
+          <a:xfrm>
+            <a:off x="6232330" y="3451417"/>
+            <a:ext cx="236048" cy="173380"/>
+          </a:xfrm>
+          <a:prstGeom prst="flowChartDecision">
+            <a:avLst/>
+          </a:prstGeom>
+          <a:solidFill>
+            <a:srgbClr val="7030A0"/>
+          </a:solidFill>
+          <a:ln w="19050">
+            <a:solidFill>
+              <a:srgbClr val="7030A0"/>
+            </a:solidFill>
+          </a:ln>
+          <a:effectLst/>
+        </p:spPr>
+        <p:style>
+          <a:lnRef idx="1">
+            <a:schemeClr val="accent6"/>
+          </a:lnRef>
+          <a:fillRef idx="2">
+            <a:schemeClr val="accent6"/>
+          </a:fillRef>
+          <a:effectRef idx="1">
+            <a:schemeClr val="accent6"/>
+          </a:effectRef>
+          <a:fontRef idx="minor">
+            <a:schemeClr val="dk1"/>
+          </a:fontRef>
+        </p:style>
+        <p:txBody>
+          <a:bodyPr rtlCol="0" anchor="ctr"/>
+          <a:lstStyle/>
+          <a:p>
+            <a:pPr algn="ctr"/>
+            <a:endParaRPr lang="en-US" sz="1050"/>
+          </a:p>
+        </p:txBody>
+      </p:sp>
+      <p:sp>
+        <p:nvSpPr>
+          <p:cNvPr id="303" name="Flowchart: Decision 96">
+            <a:extLst>
+              <a:ext uri="{FF2B5EF4-FFF2-40B4-BE49-F238E27FC236}">
+                <a16:creationId xmlns:a16="http://schemas.microsoft.com/office/drawing/2014/main" id="{ECE56B09-5CAB-4873-80AA-2C9570E88563}"/>
+              </a:ext>
+            </a:extLst>
+          </p:cNvPr>
+          <p:cNvSpPr/>
+          <p:nvPr/>
+        </p:nvSpPr>
+        <p:spPr>
+          <a:xfrm>
+            <a:off x="7192326" y="3203984"/>
+            <a:ext cx="236048" cy="173380"/>
+          </a:xfrm>
+          <a:prstGeom prst="flowChartDecision">
+            <a:avLst/>
+          </a:prstGeom>
+          <a:solidFill>
+            <a:srgbClr val="7030A0"/>
+          </a:solidFill>
+          <a:ln w="19050">
+            <a:solidFill>
+              <a:srgbClr val="7030A0"/>
+            </a:solidFill>
+          </a:ln>
+          <a:effectLst/>
+        </p:spPr>
+        <p:style>
+          <a:lnRef idx="1">
+            <a:schemeClr val="accent6"/>
+          </a:lnRef>
+          <a:fillRef idx="2">
+            <a:schemeClr val="accent6"/>
+          </a:fillRef>
+          <a:effectRef idx="1">
+            <a:schemeClr val="accent6"/>
+          </a:effectRef>
+          <a:fontRef idx="minor">
+            <a:schemeClr val="dk1"/>
+          </a:fontRef>
+        </p:style>
+        <p:txBody>
+          <a:bodyPr rtlCol="0" anchor="ctr"/>
+          <a:lstStyle/>
+          <a:p>
+            <a:pPr algn="ctr"/>
+            <a:endParaRPr lang="en-US" sz="1050"/>
+          </a:p>
+        </p:txBody>
+      </p:sp>
+      <p:sp>
+        <p:nvSpPr>
+          <p:cNvPr id="304" name="Flowchart: Decision 96">
+            <a:extLst>
+              <a:ext uri="{FF2B5EF4-FFF2-40B4-BE49-F238E27FC236}">
+                <a16:creationId xmlns:a16="http://schemas.microsoft.com/office/drawing/2014/main" id="{35944CE4-D2F2-48BC-AC9B-55B111CBA0B2}"/>
+              </a:ext>
+            </a:extLst>
+          </p:cNvPr>
+          <p:cNvSpPr/>
+          <p:nvPr/>
+        </p:nvSpPr>
+        <p:spPr>
+          <a:xfrm>
+            <a:off x="5035002" y="3357746"/>
+            <a:ext cx="236048" cy="173380"/>
+          </a:xfrm>
+          <a:prstGeom prst="flowChartDecision">
+            <a:avLst/>
+          </a:prstGeom>
+          <a:solidFill>
+            <a:srgbClr val="7030A0"/>
+          </a:solidFill>
+          <a:ln w="19050">
+            <a:solidFill>
+              <a:srgbClr val="7030A0"/>
+            </a:solidFill>
+          </a:ln>
+          <a:effectLst/>
+        </p:spPr>
+        <p:style>
+          <a:lnRef idx="1">
+            <a:schemeClr val="accent6"/>
+          </a:lnRef>
+          <a:fillRef idx="2">
+            <a:schemeClr val="accent6"/>
+          </a:fillRef>
+          <a:effectRef idx="1">
+            <a:schemeClr val="accent6"/>
+          </a:effectRef>
+          <a:fontRef idx="minor">
+            <a:schemeClr val="dk1"/>
+          </a:fontRef>
+        </p:style>
+        <p:txBody>
+          <a:bodyPr rtlCol="0" anchor="ctr"/>
+          <a:lstStyle/>
+          <a:p>
+            <a:pPr algn="ctr"/>
+            <a:endParaRPr lang="en-US" sz="1050"/>
+          </a:p>
+        </p:txBody>
+      </p:sp>
+      <p:cxnSp>
+        <p:nvCxnSpPr>
+          <p:cNvPr id="308" name="Elbow Connector 78">
+            <a:extLst>
+              <a:ext uri="{FF2B5EF4-FFF2-40B4-BE49-F238E27FC236}">
+                <a16:creationId xmlns:a16="http://schemas.microsoft.com/office/drawing/2014/main" id="{7AA9B945-7B81-4908-BABE-7388312CDCFF}"/>
+              </a:ext>
+            </a:extLst>
+          </p:cNvPr>
+          <p:cNvCxnSpPr>
+            <a:cxnSpLocks/>
+            <a:stCxn id="304" idx="3"/>
+            <a:endCxn id="62" idx="1"/>
+          </p:cNvCxnSpPr>
+          <p:nvPr/>
+        </p:nvCxnSpPr>
+        <p:spPr>
+          <a:xfrm flipV="1">
+            <a:off x="5271050" y="2587740"/>
+            <a:ext cx="1829410" cy="856696"/>
+          </a:xfrm>
+          <a:prstGeom prst="bentConnector3">
+            <a:avLst>
+              <a:gd name="adj1" fmla="val 21401"/>
+            </a:avLst>
+          </a:prstGeom>
+          <a:ln w="19050">
+            <a:solidFill>
+              <a:srgbClr val="7030A0"/>
+            </a:solidFill>
+            <a:headEnd type="none" w="med" len="med"/>
+            <a:tailEnd type="arrow" w="med" len="med"/>
+          </a:ln>
+          <a:effectLst/>
+        </p:spPr>
+        <p:style>
+          <a:lnRef idx="1">
+            <a:schemeClr val="accent2"/>
+          </a:lnRef>
+          <a:fillRef idx="2">
+            <a:schemeClr val="accent2"/>
+          </a:fillRef>
+          <a:effectRef idx="1">
+            <a:schemeClr val="accent2"/>
+          </a:effectRef>
+          <a:fontRef idx="minor">
+            <a:schemeClr val="dk1"/>
+          </a:fontRef>
+        </p:style>
+      </p:cxnSp>
+      <p:cxnSp>
+        <p:nvCxnSpPr>
+          <p:cNvPr id="315" name="Elbow Connector 80">
+            <a:extLst>
+              <a:ext uri="{FF2B5EF4-FFF2-40B4-BE49-F238E27FC236}">
+                <a16:creationId xmlns:a16="http://schemas.microsoft.com/office/drawing/2014/main" id="{256580A0-A206-4140-98E0-E422C275314B}"/>
+              </a:ext>
+            </a:extLst>
+          </p:cNvPr>
+          <p:cNvCxnSpPr>
+            <a:cxnSpLocks/>
+            <a:stCxn id="304" idx="0"/>
+            <a:endCxn id="49" idx="2"/>
+          </p:cNvCxnSpPr>
+          <p:nvPr/>
+        </p:nvCxnSpPr>
+        <p:spPr>
+          <a:xfrm rot="16200000" flipV="1">
+            <a:off x="4795679" y="3000398"/>
+            <a:ext cx="356196" cy="358499"/>
+          </a:xfrm>
+          <a:prstGeom prst="bentConnector3">
+            <a:avLst>
+              <a:gd name="adj1" fmla="val 50000"/>
+            </a:avLst>
+          </a:prstGeom>
+          <a:ln w="19050">
+            <a:solidFill>
+              <a:srgbClr val="7030A0"/>
+            </a:solidFill>
+            <a:headEnd type="none" w="med" len="med"/>
+            <a:tailEnd type="arrow" w="med" len="med"/>
+          </a:ln>
+          <a:effectLst/>
+        </p:spPr>
+        <p:style>
+          <a:lnRef idx="1">
+            <a:schemeClr val="accent2"/>
+          </a:lnRef>
+          <a:fillRef idx="2">
+            <a:schemeClr val="accent2"/>
+          </a:fillRef>
+          <a:effectRef idx="1">
+            <a:schemeClr val="accent2"/>
+          </a:effectRef>
+          <a:fontRef idx="minor">
+            <a:schemeClr val="dk1"/>
+          </a:fontRef>
+        </p:style>
+      </p:cxnSp>
+      <p:cxnSp>
+        <p:nvCxnSpPr>
+          <p:cNvPr id="321" name="Elbow Connector 80">
+            <a:extLst>
+              <a:ext uri="{FF2B5EF4-FFF2-40B4-BE49-F238E27FC236}">
+                <a16:creationId xmlns:a16="http://schemas.microsoft.com/office/drawing/2014/main" id="{5667BFF0-6F36-4773-97BA-562A011BA151}"/>
+              </a:ext>
+            </a:extLst>
+          </p:cNvPr>
+          <p:cNvCxnSpPr>
+            <a:cxnSpLocks/>
+            <a:stCxn id="304" idx="3"/>
+            <a:endCxn id="236" idx="1"/>
+          </p:cNvCxnSpPr>
+          <p:nvPr/>
+        </p:nvCxnSpPr>
+        <p:spPr>
+          <a:xfrm flipV="1">
+            <a:off x="5271050" y="2983525"/>
+            <a:ext cx="751390" cy="460911"/>
+          </a:xfrm>
+          <a:prstGeom prst="bentConnector3">
+            <a:avLst>
+              <a:gd name="adj1" fmla="val 53136"/>
+            </a:avLst>
+          </a:prstGeom>
+          <a:ln w="19050">
+            <a:solidFill>
+              <a:srgbClr val="7030A0"/>
+            </a:solidFill>
+            <a:headEnd type="none" w="med" len="med"/>
+            <a:tailEnd type="arrow" w="med" len="med"/>
+          </a:ln>
+          <a:effectLst/>
+        </p:spPr>
+        <p:style>
+          <a:lnRef idx="1">
+            <a:schemeClr val="accent2"/>
+          </a:lnRef>
+          <a:fillRef idx="2">
+            <a:schemeClr val="accent2"/>
+          </a:fillRef>
+          <a:effectRef idx="1">
+            <a:schemeClr val="accent2"/>
+          </a:effectRef>
+          <a:fontRef idx="minor">
+            <a:schemeClr val="dk1"/>
+          </a:fontRef>
+        </p:style>
+      </p:cxnSp>
+      <p:cxnSp>
+        <p:nvCxnSpPr>
+          <p:cNvPr id="325" name="Elbow Connector 80">
+            <a:extLst>
+              <a:ext uri="{FF2B5EF4-FFF2-40B4-BE49-F238E27FC236}">
+                <a16:creationId xmlns:a16="http://schemas.microsoft.com/office/drawing/2014/main" id="{EF55EFD3-1825-4531-B207-7401480A124E}"/>
+              </a:ext>
+            </a:extLst>
+          </p:cNvPr>
+          <p:cNvCxnSpPr>
+            <a:cxnSpLocks/>
+            <a:stCxn id="302" idx="0"/>
+            <a:endCxn id="236" idx="2"/>
+          </p:cNvCxnSpPr>
+          <p:nvPr/>
+        </p:nvCxnSpPr>
+        <p:spPr>
+          <a:xfrm rot="5400000" flipH="1" flipV="1">
+            <a:off x="6200943" y="3275828"/>
+            <a:ext cx="325001" cy="26179"/>
+          </a:xfrm>
+          <a:prstGeom prst="bentConnector3">
+            <a:avLst>
+              <a:gd name="adj1" fmla="val 50000"/>
+            </a:avLst>
+          </a:prstGeom>
+          <a:ln w="19050">
+            <a:solidFill>
+              <a:srgbClr val="7030A0"/>
+            </a:solidFill>
+            <a:headEnd type="none" w="med" len="med"/>
+            <a:tailEnd type="arrow" w="med" len="med"/>
+          </a:ln>
+          <a:effectLst/>
+        </p:spPr>
+        <p:style>
+          <a:lnRef idx="1">
+            <a:schemeClr val="accent2"/>
+          </a:lnRef>
+          <a:fillRef idx="2">
+            <a:schemeClr val="accent2"/>
+          </a:fillRef>
+          <a:effectRef idx="1">
+            <a:schemeClr val="accent2"/>
+          </a:effectRef>
+          <a:fontRef idx="minor">
+            <a:schemeClr val="dk1"/>
+          </a:fontRef>
+        </p:style>
+      </p:cxnSp>
+      <p:cxnSp>
+        <p:nvCxnSpPr>
+          <p:cNvPr id="328" name="Elbow Connector 80">
+            <a:extLst>
+              <a:ext uri="{FF2B5EF4-FFF2-40B4-BE49-F238E27FC236}">
+                <a16:creationId xmlns:a16="http://schemas.microsoft.com/office/drawing/2014/main" id="{D4FC383B-4C83-498D-A68E-48837CF04F0F}"/>
+              </a:ext>
+            </a:extLst>
+          </p:cNvPr>
+          <p:cNvCxnSpPr>
+            <a:cxnSpLocks/>
+            <a:stCxn id="300" idx="3"/>
+            <a:endCxn id="62" idx="3"/>
+          </p:cNvCxnSpPr>
+          <p:nvPr/>
+        </p:nvCxnSpPr>
+        <p:spPr>
+          <a:xfrm flipV="1">
+            <a:off x="6730626" y="2587740"/>
+            <a:ext cx="1078020" cy="1207197"/>
+          </a:xfrm>
+          <a:prstGeom prst="bentConnector3">
+            <a:avLst>
+              <a:gd name="adj1" fmla="val 121206"/>
+            </a:avLst>
+          </a:prstGeom>
+          <a:ln w="19050">
+            <a:solidFill>
+              <a:srgbClr val="7030A0"/>
+            </a:solidFill>
+            <a:headEnd type="none" w="med" len="med"/>
+            <a:tailEnd type="arrow" w="med" len="med"/>
+          </a:ln>
+          <a:effectLst/>
+        </p:spPr>
+        <p:style>
+          <a:lnRef idx="1">
+            <a:schemeClr val="accent2"/>
+          </a:lnRef>
+          <a:fillRef idx="2">
+            <a:schemeClr val="accent2"/>
+          </a:fillRef>
+          <a:effectRef idx="1">
+            <a:schemeClr val="accent2"/>
+          </a:effectRef>
+          <a:fontRef idx="minor">
+            <a:schemeClr val="dk1"/>
+          </a:fontRef>
+        </p:style>
+      </p:cxnSp>
+      <p:cxnSp>
+        <p:nvCxnSpPr>
+          <p:cNvPr id="340" name="Elbow Connector 80">
+            <a:extLst>
+              <a:ext uri="{FF2B5EF4-FFF2-40B4-BE49-F238E27FC236}">
+                <a16:creationId xmlns:a16="http://schemas.microsoft.com/office/drawing/2014/main" id="{AB49479A-5AA4-4B9A-BA16-3B1BB88A683A}"/>
+              </a:ext>
+            </a:extLst>
+          </p:cNvPr>
+          <p:cNvCxnSpPr>
+            <a:cxnSpLocks/>
+            <a:stCxn id="303" idx="3"/>
+            <a:endCxn id="62" idx="2"/>
+          </p:cNvCxnSpPr>
+          <p:nvPr/>
+        </p:nvCxnSpPr>
+        <p:spPr>
+          <a:xfrm flipV="1">
+            <a:off x="7428374" y="2761120"/>
+            <a:ext cx="26179" cy="529554"/>
+          </a:xfrm>
+          <a:prstGeom prst="bentConnector2">
+            <a:avLst/>
+          </a:prstGeom>
+          <a:ln w="19050">
+            <a:solidFill>
+              <a:srgbClr val="7030A0"/>
+            </a:solidFill>
+            <a:headEnd type="none" w="med" len="med"/>
+            <a:tailEnd type="arrow" w="med" len="med"/>
+          </a:ln>
+          <a:effectLst/>
+        </p:spPr>
+        <p:style>
+          <a:lnRef idx="1">
+            <a:schemeClr val="accent2"/>
+          </a:lnRef>
+          <a:fillRef idx="2">
+            <a:schemeClr val="accent2"/>
+          </a:fillRef>
+          <a:effectRef idx="1">
+            <a:schemeClr val="accent2"/>
+          </a:effectRef>
+          <a:fontRef idx="minor">
+            <a:schemeClr val="dk1"/>
+          </a:fontRef>
+        </p:style>
+      </p:cxnSp>
+      <p:cxnSp>
+        <p:nvCxnSpPr>
+          <p:cNvPr id="344" name="Elbow Connector 80">
+            <a:extLst>
+              <a:ext uri="{FF2B5EF4-FFF2-40B4-BE49-F238E27FC236}">
+                <a16:creationId xmlns:a16="http://schemas.microsoft.com/office/drawing/2014/main" id="{E03CFCBC-2CF5-4FEA-B55B-4522843FB3FB}"/>
+              </a:ext>
+            </a:extLst>
+          </p:cNvPr>
+          <p:cNvCxnSpPr>
+            <a:cxnSpLocks/>
+            <a:stCxn id="303" idx="0"/>
+            <a:endCxn id="236" idx="3"/>
+          </p:cNvCxnSpPr>
+          <p:nvPr/>
+        </p:nvCxnSpPr>
+        <p:spPr>
+          <a:xfrm rot="16200000" flipV="1">
+            <a:off x="6910259" y="2803893"/>
+            <a:ext cx="220459" cy="579724"/>
+          </a:xfrm>
+          <a:prstGeom prst="bentConnector2">
+            <a:avLst/>
+          </a:prstGeom>
+          <a:ln w="19050">
+            <a:solidFill>
+              <a:srgbClr val="7030A0"/>
+            </a:solidFill>
+            <a:headEnd type="none" w="med" len="med"/>
+            <a:tailEnd type="arrow" w="med" len="med"/>
+          </a:ln>
+          <a:effectLst/>
+        </p:spPr>
+        <p:style>
+          <a:lnRef idx="1">
+            <a:schemeClr val="accent2"/>
+          </a:lnRef>
+          <a:fillRef idx="2">
+            <a:schemeClr val="accent2"/>
+          </a:fillRef>
+          <a:effectRef idx="1">
+            <a:schemeClr val="accent2"/>
+          </a:effectRef>
+          <a:fontRef idx="minor">
+            <a:schemeClr val="dk1"/>
+          </a:fontRef>
+        </p:style>
+      </p:cxnSp>
+      <p:sp>
+        <p:nvSpPr>
+          <p:cNvPr id="351" name="Rectangle 8">
+            <a:extLst>
+              <a:ext uri="{FF2B5EF4-FFF2-40B4-BE49-F238E27FC236}">
+                <a16:creationId xmlns:a16="http://schemas.microsoft.com/office/drawing/2014/main" id="{EBA271CC-4427-4261-AAE4-4CA0DDBFD4C6}"/>
+              </a:ext>
+            </a:extLst>
+          </p:cNvPr>
+          <p:cNvSpPr/>
+          <p:nvPr/>
+        </p:nvSpPr>
+        <p:spPr>
+          <a:xfrm>
+            <a:off x="4057454" y="4438804"/>
+            <a:ext cx="1156969" cy="346760"/>
+          </a:xfrm>
+          <a:prstGeom prst="rect">
+            <a:avLst/>
+          </a:prstGeom>
+          <a:ln w="19050">
+            <a:solidFill>
+              <a:srgbClr val="7030A0"/>
+            </a:solidFill>
+          </a:ln>
+          <a:effectLst/>
+        </p:spPr>
+        <p:style>
+          <a:lnRef idx="1">
+            <a:schemeClr val="accent4"/>
+          </a:lnRef>
+          <a:fillRef idx="2">
+            <a:schemeClr val="accent4"/>
+          </a:fillRef>
+          <a:effectRef idx="1">
+            <a:schemeClr val="accent4"/>
+          </a:effectRef>
+          <a:fontRef idx="minor">
+            <a:schemeClr val="dk1"/>
+          </a:fontRef>
+        </p:style>
+        <p:txBody>
+          <a:bodyPr rtlCol="0" anchor="ctr"/>
+          <a:lstStyle/>
+          <a:p>
+            <a:pPr algn="ctr"/>
+            <a:r>
+              <a:rPr lang="en-US" sz="1050" dirty="0">
+                <a:solidFill>
+                  <a:srgbClr val="7030A0"/>
+                </a:solidFill>
+              </a:rPr>
+              <a:t>Unique</a:t>
+            </a:r>
+          </a:p>
+          <a:p>
+            <a:pPr algn="ctr"/>
+            <a:r>
+              <a:rPr lang="en-US" sz="1050" dirty="0" err="1">
+                <a:solidFill>
+                  <a:srgbClr val="7030A0"/>
+                </a:solidFill>
+              </a:rPr>
+              <a:t>TransactionList</a:t>
+            </a:r>
+            <a:endParaRPr lang="en-SG" sz="1050" dirty="0">
+              <a:solidFill>
+                <a:srgbClr val="7030A0"/>
+              </a:solidFill>
+            </a:endParaRPr>
+          </a:p>
+        </p:txBody>
+      </p:sp>
+      <p:sp>
+        <p:nvSpPr>
+          <p:cNvPr id="352" name="Rectangle 8">
+            <a:extLst>
+              <a:ext uri="{FF2B5EF4-FFF2-40B4-BE49-F238E27FC236}">
+                <a16:creationId xmlns:a16="http://schemas.microsoft.com/office/drawing/2014/main" id="{56328241-D667-4AA3-B2DD-19CC5AED79FD}"/>
+              </a:ext>
+            </a:extLst>
+          </p:cNvPr>
+          <p:cNvSpPr/>
+          <p:nvPr/>
+        </p:nvSpPr>
+        <p:spPr>
+          <a:xfrm>
+            <a:off x="3815458" y="3253497"/>
+            <a:ext cx="708186" cy="285783"/>
+          </a:xfrm>
+          <a:prstGeom prst="rect">
+            <a:avLst/>
+          </a:prstGeom>
+          <a:ln w="19050">
+            <a:solidFill>
+              <a:srgbClr val="7030A0"/>
+            </a:solidFill>
+          </a:ln>
+          <a:effectLst/>
+        </p:spPr>
+        <p:style>
+          <a:lnRef idx="1">
+            <a:schemeClr val="accent4"/>
+          </a:lnRef>
+          <a:fillRef idx="2">
+            <a:schemeClr val="accent4"/>
+          </a:fillRef>
+          <a:effectRef idx="1">
+            <a:schemeClr val="accent4"/>
+          </a:effectRef>
+          <a:fontRef idx="minor">
+            <a:schemeClr val="dk1"/>
+          </a:fontRef>
+        </p:style>
+        <p:txBody>
+          <a:bodyPr rtlCol="0" anchor="ctr"/>
+          <a:lstStyle/>
+          <a:p>
+            <a:pPr algn="ctr"/>
+            <a:r>
+              <a:rPr lang="en-US" sz="800" dirty="0">
+                <a:solidFill>
+                  <a:srgbClr val="7030A0"/>
+                </a:solidFill>
+              </a:rPr>
+              <a:t>Description</a:t>
+            </a:r>
+            <a:endParaRPr lang="en-SG" sz="800" dirty="0">
+              <a:solidFill>
+                <a:srgbClr val="7030A0"/>
+              </a:solidFill>
+            </a:endParaRPr>
+          </a:p>
+        </p:txBody>
+      </p:sp>
+      <p:cxnSp>
+        <p:nvCxnSpPr>
+          <p:cNvPr id="353" name="Straight Arrow Connector 352">
+            <a:extLst>
+              <a:ext uri="{FF2B5EF4-FFF2-40B4-BE49-F238E27FC236}">
+                <a16:creationId xmlns:a16="http://schemas.microsoft.com/office/drawing/2014/main" id="{8079B0EC-AA68-4D35-AFF4-33432D833EC9}"/>
+              </a:ext>
+            </a:extLst>
+          </p:cNvPr>
+          <p:cNvCxnSpPr>
+            <a:cxnSpLocks/>
+            <a:stCxn id="301" idx="1"/>
+            <a:endCxn id="352" idx="3"/>
+          </p:cNvCxnSpPr>
+          <p:nvPr/>
+        </p:nvCxnSpPr>
+        <p:spPr>
+          <a:xfrm flipH="1" flipV="1">
+            <a:off x="4523644" y="3396389"/>
+            <a:ext cx="289201" cy="273356"/>
+          </a:xfrm>
+          <a:prstGeom prst="straightConnector1">
+            <a:avLst/>
+          </a:prstGeom>
+          <a:ln w="19050">
+            <a:solidFill>
+              <a:srgbClr val="7030A0"/>
+            </a:solidFill>
+            <a:headEnd type="none" w="med" len="med"/>
+            <a:tailEnd type="arrow" w="med" len="med"/>
+          </a:ln>
+          <a:effectLst/>
+        </p:spPr>
+        <p:style>
+          <a:lnRef idx="1">
+            <a:schemeClr val="accent2"/>
+          </a:lnRef>
+          <a:fillRef idx="2">
+            <a:schemeClr val="accent2"/>
+          </a:fillRef>
+          <a:effectRef idx="1">
+            <a:schemeClr val="accent2"/>
+          </a:effectRef>
+          <a:fontRef idx="minor">
+            <a:schemeClr val="dk1"/>
+          </a:fontRef>
+        </p:style>
+      </p:cxnSp>
+      <p:sp>
+        <p:nvSpPr>
+          <p:cNvPr id="357" name="Rectangle 8">
+            <a:extLst>
+              <a:ext uri="{FF2B5EF4-FFF2-40B4-BE49-F238E27FC236}">
+                <a16:creationId xmlns:a16="http://schemas.microsoft.com/office/drawing/2014/main" id="{B6377BBD-45F2-40CD-9F6B-6EF2F701A307}"/>
+              </a:ext>
+            </a:extLst>
+          </p:cNvPr>
+          <p:cNvSpPr/>
+          <p:nvPr/>
+        </p:nvSpPr>
+        <p:spPr>
+          <a:xfrm>
+            <a:off x="7130651" y="4957663"/>
+            <a:ext cx="1156969" cy="346760"/>
+          </a:xfrm>
+          <a:prstGeom prst="rect">
+            <a:avLst/>
+          </a:prstGeom>
+          <a:ln w="19050">
+            <a:solidFill>
+              <a:srgbClr val="7030A0"/>
+            </a:solidFill>
+          </a:ln>
+          <a:effectLst/>
+        </p:spPr>
+        <p:style>
+          <a:lnRef idx="1">
+            <a:schemeClr val="accent4"/>
+          </a:lnRef>
+          <a:fillRef idx="2">
+            <a:schemeClr val="accent4"/>
+          </a:fillRef>
+          <a:effectRef idx="1">
+            <a:schemeClr val="accent4"/>
+          </a:effectRef>
+          <a:fontRef idx="minor">
+            <a:schemeClr val="dk1"/>
+          </a:fontRef>
+        </p:style>
+        <p:txBody>
+          <a:bodyPr rtlCol="0" anchor="ctr"/>
+          <a:lstStyle/>
+          <a:p>
+            <a:pPr algn="ctr"/>
+            <a:r>
+              <a:rPr lang="en-US" sz="1050" dirty="0">
+                <a:solidFill>
+                  <a:srgbClr val="7030A0"/>
+                </a:solidFill>
+              </a:rPr>
+              <a:t>Unique</a:t>
+            </a:r>
+          </a:p>
+          <a:p>
+            <a:pPr algn="ctr"/>
+            <a:r>
+              <a:rPr lang="en-US" sz="1050" dirty="0" err="1">
+                <a:solidFill>
+                  <a:srgbClr val="7030A0"/>
+                </a:solidFill>
+              </a:rPr>
+              <a:t>DebtorList</a:t>
+            </a:r>
+            <a:endParaRPr lang="en-SG" sz="1050" dirty="0">
+              <a:solidFill>
+                <a:srgbClr val="7030A0"/>
+              </a:solidFill>
+            </a:endParaRPr>
+          </a:p>
+        </p:txBody>
+      </p:sp>
+      <p:sp>
+        <p:nvSpPr>
+          <p:cNvPr id="358" name="Rectangle 8">
+            <a:extLst>
+              <a:ext uri="{FF2B5EF4-FFF2-40B4-BE49-F238E27FC236}">
+                <a16:creationId xmlns:a16="http://schemas.microsoft.com/office/drawing/2014/main" id="{9F3AC632-3D43-4718-82D5-9EBC6BD97BE0}"/>
+              </a:ext>
+            </a:extLst>
+          </p:cNvPr>
+          <p:cNvSpPr/>
+          <p:nvPr/>
+        </p:nvSpPr>
+        <p:spPr>
+          <a:xfrm>
+            <a:off x="5690564" y="4688622"/>
+            <a:ext cx="1156969" cy="346760"/>
+          </a:xfrm>
+          <a:prstGeom prst="rect">
+            <a:avLst/>
+          </a:prstGeom>
+          <a:ln w="19050">
+            <a:solidFill>
+              <a:srgbClr val="7030A0"/>
+            </a:solidFill>
+          </a:ln>
+          <a:effectLst/>
+        </p:spPr>
+        <p:style>
+          <a:lnRef idx="1">
+            <a:schemeClr val="accent4"/>
+          </a:lnRef>
+          <a:fillRef idx="2">
+            <a:schemeClr val="accent4"/>
+          </a:fillRef>
+          <a:effectRef idx="1">
+            <a:schemeClr val="accent4"/>
+          </a:effectRef>
+          <a:fontRef idx="minor">
+            <a:schemeClr val="dk1"/>
+          </a:fontRef>
+        </p:style>
+        <p:txBody>
+          <a:bodyPr rtlCol="0" anchor="ctr"/>
+          <a:lstStyle/>
+          <a:p>
+            <a:pPr algn="ctr"/>
+            <a:r>
+              <a:rPr lang="en-US" sz="1050" dirty="0">
+                <a:solidFill>
+                  <a:srgbClr val="7030A0"/>
+                </a:solidFill>
+              </a:rPr>
+              <a:t>Unique</a:t>
+            </a:r>
+          </a:p>
+          <a:p>
+            <a:pPr algn="ctr"/>
+            <a:r>
+              <a:rPr lang="en-US" sz="1050" dirty="0" err="1">
+                <a:solidFill>
+                  <a:srgbClr val="7030A0"/>
+                </a:solidFill>
+              </a:rPr>
+              <a:t>CreditorList</a:t>
+            </a:r>
+            <a:endParaRPr lang="en-SG" sz="1050" dirty="0">
+              <a:solidFill>
+                <a:srgbClr val="7030A0"/>
+              </a:solidFill>
+            </a:endParaRPr>
+          </a:p>
+        </p:txBody>
+      </p:sp>
+      <p:sp>
+        <p:nvSpPr>
+          <p:cNvPr id="361" name="Flowchart: Decision 96">
+            <a:extLst>
+              <a:ext uri="{FF2B5EF4-FFF2-40B4-BE49-F238E27FC236}">
+                <a16:creationId xmlns:a16="http://schemas.microsoft.com/office/drawing/2014/main" id="{CE1622E3-1146-4762-B849-7EB2570AD7CE}"/>
+              </a:ext>
+            </a:extLst>
+          </p:cNvPr>
+          <p:cNvSpPr/>
+          <p:nvPr/>
+        </p:nvSpPr>
+        <p:spPr>
+          <a:xfrm rot="5400000">
+            <a:off x="4461914" y="4239338"/>
+            <a:ext cx="236048" cy="173380"/>
+          </a:xfrm>
+          <a:prstGeom prst="flowChartDecision">
+            <a:avLst/>
+          </a:prstGeom>
+          <a:noFill/>
+          <a:ln w="19050">
+            <a:solidFill>
+              <a:srgbClr val="7030A0"/>
+            </a:solidFill>
+          </a:ln>
+          <a:effectLst/>
+        </p:spPr>
+        <p:style>
+          <a:lnRef idx="1">
+            <a:schemeClr val="accent6"/>
+          </a:lnRef>
+          <a:fillRef idx="2">
+            <a:schemeClr val="accent6"/>
+          </a:fillRef>
+          <a:effectRef idx="1">
+            <a:schemeClr val="accent6"/>
+          </a:effectRef>
+          <a:fontRef idx="minor">
+            <a:schemeClr val="dk1"/>
+          </a:fontRef>
+        </p:style>
+        <p:txBody>
+          <a:bodyPr rtlCol="0" anchor="ctr"/>
+          <a:lstStyle/>
+          <a:p>
+            <a:pPr algn="ctr"/>
+            <a:endParaRPr lang="en-US" sz="1050"/>
+          </a:p>
+        </p:txBody>
+      </p:sp>
+      <p:sp>
+        <p:nvSpPr>
+          <p:cNvPr id="362" name="Flowchart: Decision 96">
+            <a:extLst>
+              <a:ext uri="{FF2B5EF4-FFF2-40B4-BE49-F238E27FC236}">
+                <a16:creationId xmlns:a16="http://schemas.microsoft.com/office/drawing/2014/main" id="{2AF08D4E-1828-4E92-9F1C-AEB495C5ED3D}"/>
+              </a:ext>
+            </a:extLst>
+          </p:cNvPr>
+          <p:cNvSpPr/>
+          <p:nvPr/>
+        </p:nvSpPr>
+        <p:spPr>
+          <a:xfrm rot="5400000">
+            <a:off x="6140820" y="4483908"/>
+            <a:ext cx="236048" cy="173380"/>
+          </a:xfrm>
+          <a:prstGeom prst="flowChartDecision">
+            <a:avLst/>
+          </a:prstGeom>
+          <a:noFill/>
+          <a:ln w="19050">
+            <a:solidFill>
+              <a:srgbClr val="7030A0"/>
+            </a:solidFill>
+          </a:ln>
+          <a:effectLst/>
+        </p:spPr>
+        <p:style>
+          <a:lnRef idx="1">
+            <a:schemeClr val="accent6"/>
+          </a:lnRef>
+          <a:fillRef idx="2">
+            <a:schemeClr val="accent6"/>
+          </a:fillRef>
+          <a:effectRef idx="1">
+            <a:schemeClr val="accent6"/>
+          </a:effectRef>
+          <a:fontRef idx="minor">
+            <a:schemeClr val="dk1"/>
+          </a:fontRef>
+        </p:style>
+        <p:txBody>
+          <a:bodyPr rtlCol="0" anchor="ctr"/>
+          <a:lstStyle/>
+          <a:p>
+            <a:pPr algn="ctr"/>
+            <a:endParaRPr lang="en-US" sz="1050"/>
+          </a:p>
+        </p:txBody>
+      </p:sp>
+      <p:sp>
+        <p:nvSpPr>
+          <p:cNvPr id="363" name="Flowchart: Decision 96">
+            <a:extLst>
+              <a:ext uri="{FF2B5EF4-FFF2-40B4-BE49-F238E27FC236}">
+                <a16:creationId xmlns:a16="http://schemas.microsoft.com/office/drawing/2014/main" id="{E4A240F4-12B8-4690-AFCB-BC1765703A50}"/>
+              </a:ext>
+            </a:extLst>
+          </p:cNvPr>
+          <p:cNvSpPr/>
+          <p:nvPr/>
+        </p:nvSpPr>
+        <p:spPr>
+          <a:xfrm rot="5400000">
+            <a:off x="7564567" y="4793740"/>
+            <a:ext cx="236048" cy="173380"/>
+          </a:xfrm>
+          <a:prstGeom prst="flowChartDecision">
+            <a:avLst/>
+          </a:prstGeom>
+          <a:noFill/>
+          <a:ln w="19050">
+            <a:solidFill>
+              <a:srgbClr val="7030A0"/>
+            </a:solidFill>
+          </a:ln>
+          <a:effectLst/>
+        </p:spPr>
+        <p:style>
+          <a:lnRef idx="1">
+            <a:schemeClr val="accent6"/>
+          </a:lnRef>
+          <a:fillRef idx="2">
+            <a:schemeClr val="accent6"/>
+          </a:fillRef>
+          <a:effectRef idx="1">
+            <a:schemeClr val="accent6"/>
+          </a:effectRef>
+          <a:fontRef idx="minor">
+            <a:schemeClr val="dk1"/>
+          </a:fontRef>
+        </p:style>
+        <p:txBody>
+          <a:bodyPr rtlCol="0" anchor="ctr"/>
+          <a:lstStyle/>
+          <a:p>
+            <a:pPr algn="ctr"/>
+            <a:endParaRPr lang="en-US" sz="1050"/>
+          </a:p>
+        </p:txBody>
+      </p:sp>
+      <p:cxnSp>
+        <p:nvCxnSpPr>
+          <p:cNvPr id="364" name="Elbow Connector 80">
+            <a:extLst>
+              <a:ext uri="{FF2B5EF4-FFF2-40B4-BE49-F238E27FC236}">
+                <a16:creationId xmlns:a16="http://schemas.microsoft.com/office/drawing/2014/main" id="{11FD67D1-77DD-4E53-9E8E-BB9D0BE384A1}"/>
+              </a:ext>
+            </a:extLst>
+          </p:cNvPr>
+          <p:cNvCxnSpPr>
+            <a:cxnSpLocks/>
+            <a:stCxn id="363" idx="1"/>
+            <a:endCxn id="299" idx="2"/>
+          </p:cNvCxnSpPr>
+          <p:nvPr/>
+        </p:nvCxnSpPr>
+        <p:spPr>
+          <a:xfrm rot="16200000" flipV="1">
+            <a:off x="6999428" y="4079243"/>
+            <a:ext cx="1038779" cy="327548"/>
+          </a:xfrm>
+          <a:prstGeom prst="bentConnector3">
+            <a:avLst>
+              <a:gd name="adj1" fmla="val 50000"/>
+            </a:avLst>
+          </a:prstGeom>
+          <a:ln w="19050">
+            <a:solidFill>
+              <a:srgbClr val="7030A0"/>
+            </a:solidFill>
+            <a:headEnd type="none" w="med" len="med"/>
+            <a:tailEnd type="arrow" w="med" len="med"/>
+          </a:ln>
+          <a:effectLst/>
+        </p:spPr>
+        <p:style>
+          <a:lnRef idx="1">
+            <a:schemeClr val="accent2"/>
+          </a:lnRef>
+          <a:fillRef idx="2">
+            <a:schemeClr val="accent2"/>
+          </a:fillRef>
+          <a:effectRef idx="1">
+            <a:schemeClr val="accent2"/>
+          </a:effectRef>
+          <a:fontRef idx="minor">
+            <a:schemeClr val="dk1"/>
+          </a:fontRef>
+        </p:style>
+      </p:cxnSp>
+      <p:cxnSp>
+        <p:nvCxnSpPr>
+          <p:cNvPr id="367" name="Elbow Connector 80">
+            <a:extLst>
+              <a:ext uri="{FF2B5EF4-FFF2-40B4-BE49-F238E27FC236}">
+                <a16:creationId xmlns:a16="http://schemas.microsoft.com/office/drawing/2014/main" id="{F6285B67-7947-47BA-9319-72A2AF98BB0A}"/>
+              </a:ext>
+            </a:extLst>
+          </p:cNvPr>
+          <p:cNvCxnSpPr>
+            <a:cxnSpLocks/>
+            <a:stCxn id="362" idx="1"/>
+            <a:endCxn id="300" idx="2"/>
+          </p:cNvCxnSpPr>
+          <p:nvPr/>
+        </p:nvCxnSpPr>
+        <p:spPr>
+          <a:xfrm rot="5400000" flipH="1" flipV="1">
+            <a:off x="6075560" y="4151602"/>
+            <a:ext cx="484257" cy="117689"/>
+          </a:xfrm>
+          <a:prstGeom prst="bentConnector3">
+            <a:avLst>
+              <a:gd name="adj1" fmla="val 50000"/>
+            </a:avLst>
+          </a:prstGeom>
+          <a:ln w="19050">
+            <a:solidFill>
+              <a:srgbClr val="7030A0"/>
+            </a:solidFill>
+            <a:headEnd type="none" w="med" len="med"/>
+            <a:tailEnd type="arrow" w="med" len="med"/>
+          </a:ln>
+          <a:effectLst/>
+        </p:spPr>
+        <p:style>
+          <a:lnRef idx="1">
+            <a:schemeClr val="accent2"/>
+          </a:lnRef>
+          <a:fillRef idx="2">
+            <a:schemeClr val="accent2"/>
+          </a:fillRef>
+          <a:effectRef idx="1">
+            <a:schemeClr val="accent2"/>
+          </a:effectRef>
+          <a:fontRef idx="minor">
+            <a:schemeClr val="dk1"/>
+          </a:fontRef>
+        </p:style>
+      </p:cxnSp>
+      <p:cxnSp>
+        <p:nvCxnSpPr>
+          <p:cNvPr id="370" name="Elbow Connector 80">
+            <a:extLst>
+              <a:ext uri="{FF2B5EF4-FFF2-40B4-BE49-F238E27FC236}">
+                <a16:creationId xmlns:a16="http://schemas.microsoft.com/office/drawing/2014/main" id="{1A56D4C4-BE46-4632-852D-83F1292E7380}"/>
+              </a:ext>
+            </a:extLst>
+          </p:cNvPr>
+          <p:cNvCxnSpPr>
+            <a:cxnSpLocks/>
+            <a:stCxn id="361" idx="1"/>
+            <a:endCxn id="301" idx="2"/>
+          </p:cNvCxnSpPr>
+          <p:nvPr/>
+        </p:nvCxnSpPr>
+        <p:spPr>
+          <a:xfrm rot="5400000" flipH="1" flipV="1">
+            <a:off x="4675754" y="3716820"/>
+            <a:ext cx="395368" cy="587000"/>
+          </a:xfrm>
+          <a:prstGeom prst="bentConnector3">
+            <a:avLst>
+              <a:gd name="adj1" fmla="val 50000"/>
+            </a:avLst>
+          </a:prstGeom>
+          <a:ln w="19050">
+            <a:solidFill>
+              <a:srgbClr val="7030A0"/>
+            </a:solidFill>
+            <a:headEnd type="none" w="med" len="med"/>
+            <a:tailEnd type="arrow" w="med" len="med"/>
+          </a:ln>
+          <a:effectLst/>
+        </p:spPr>
+        <p:style>
+          <a:lnRef idx="1">
+            <a:schemeClr val="accent2"/>
+          </a:lnRef>
+          <a:fillRef idx="2">
+            <a:schemeClr val="accent2"/>
+          </a:fillRef>
+          <a:effectRef idx="1">
+            <a:schemeClr val="accent2"/>
+          </a:effectRef>
+          <a:fontRef idx="minor">
+            <a:schemeClr val="dk1"/>
+          </a:fontRef>
+        </p:style>
+      </p:cxnSp>
+      <p:sp>
+        <p:nvSpPr>
+          <p:cNvPr id="376" name="TextBox 375">
+            <a:extLst>
+              <a:ext uri="{FF2B5EF4-FFF2-40B4-BE49-F238E27FC236}">
+                <a16:creationId xmlns:a16="http://schemas.microsoft.com/office/drawing/2014/main" id="{AFCB52E6-1680-4DD9-B450-5420062C6698}"/>
+              </a:ext>
+            </a:extLst>
+          </p:cNvPr>
+          <p:cNvSpPr txBox="1"/>
+          <p:nvPr/>
+        </p:nvSpPr>
+        <p:spPr>
+          <a:xfrm>
+            <a:off x="4953000" y="3878981"/>
+            <a:ext cx="170829" cy="159619"/>
+          </a:xfrm>
+          <a:prstGeom prst="rect">
+            <a:avLst/>
+          </a:prstGeom>
+          <a:noFill/>
+        </p:spPr>
+        <p:txBody>
+          <a:bodyPr wrap="square" lIns="0" tIns="0" rIns="0" bIns="0" rtlCol="0">
+            <a:noAutofit/>
+          </a:bodyPr>
+          <a:lstStyle/>
+          <a:p>
+            <a:pPr algn="ctr"/>
+            <a:r>
+              <a:rPr lang="en-US" sz="1100" dirty="0">
                 <a:solidFill>
                   <a:srgbClr val="7030A0"/>
                 </a:solidFill>
@@ -5599,14 +7093,20 @@
       </p:sp>
       <p:sp>
         <p:nvSpPr>
-          <p:cNvPr id="61" name="TextBox 60"/>
+          <p:cNvPr id="377" name="TextBox 376">
+            <a:extLst>
+              <a:ext uri="{FF2B5EF4-FFF2-40B4-BE49-F238E27FC236}">
+                <a16:creationId xmlns:a16="http://schemas.microsoft.com/office/drawing/2014/main" id="{0C88DA51-A13D-4CCF-8987-7381FE18DD34}"/>
+              </a:ext>
+            </a:extLst>
+          </p:cNvPr>
           <p:cNvSpPr txBox="1"/>
           <p:nvPr/>
         </p:nvSpPr>
         <p:spPr>
           <a:xfrm>
-            <a:off x="6135256" y="3097917"/>
-            <a:ext cx="189257" cy="178683"/>
+            <a:off x="6153771" y="4031381"/>
+            <a:ext cx="170829" cy="159619"/>
           </a:xfrm>
           <a:prstGeom prst="rect">
             <a:avLst/>
@@ -5621,7 +7121,7 @@
           <a:p>
             <a:pPr algn="ctr"/>
             <a:r>
-              <a:rPr lang="en-US" sz="1100" dirty="0" smtClean="0">
+              <a:rPr lang="en-US" sz="1100" dirty="0">
                 <a:solidFill>
                   <a:srgbClr val="7030A0"/>
                 </a:solidFill>
@@ -5638,14 +7138,20 @@
       </p:sp>
       <p:sp>
         <p:nvSpPr>
-          <p:cNvPr id="65" name="TextBox 64"/>
+          <p:cNvPr id="378" name="TextBox 377">
+            <a:extLst>
+              <a:ext uri="{FF2B5EF4-FFF2-40B4-BE49-F238E27FC236}">
+                <a16:creationId xmlns:a16="http://schemas.microsoft.com/office/drawing/2014/main" id="{2AFBAB6B-3F32-408C-BCB4-8D666231766A}"/>
+              </a:ext>
+            </a:extLst>
+          </p:cNvPr>
           <p:cNvSpPr txBox="1"/>
           <p:nvPr/>
         </p:nvSpPr>
         <p:spPr>
           <a:xfrm>
-            <a:off x="2687923" y="2564238"/>
-            <a:ext cx="189257" cy="178683"/>
+            <a:off x="7162800" y="3810000"/>
+            <a:ext cx="170829" cy="159619"/>
           </a:xfrm>
           <a:prstGeom prst="rect">
             <a:avLst/>
@@ -5660,12 +7166,12 @@
           <a:p>
             <a:pPr algn="ctr"/>
             <a:r>
-              <a:rPr lang="en-US" sz="1100" dirty="0" smtClean="0">
+              <a:rPr lang="en-US" sz="1100" dirty="0">
                 <a:solidFill>
                   <a:srgbClr val="7030A0"/>
                 </a:solidFill>
               </a:rPr>
-              <a:t>1</a:t>
+              <a:t>*</a:t>
             </a:r>
             <a:endParaRPr lang="en-SG" sz="1100" dirty="0">
               <a:solidFill>
@@ -5675,36 +7181,470 @@
           </a:p>
         </p:txBody>
       </p:sp>
-      <p:sp>
-        <p:nvSpPr>
-          <p:cNvPr id="66" name="TextBox 65"/>
-          <p:cNvSpPr txBox="1"/>
+      <p:cxnSp>
+        <p:nvCxnSpPr>
+          <p:cNvPr id="380" name="Elbow Connector 58">
+            <a:extLst>
+              <a:ext uri="{FF2B5EF4-FFF2-40B4-BE49-F238E27FC236}">
+                <a16:creationId xmlns:a16="http://schemas.microsoft.com/office/drawing/2014/main" id="{B03B8D64-132B-4142-AB15-F4CCA6132768}"/>
+              </a:ext>
+            </a:extLst>
+          </p:cNvPr>
+          <p:cNvCxnSpPr>
+            <a:cxnSpLocks/>
+            <a:stCxn id="51" idx="2"/>
+            <a:endCxn id="351" idx="1"/>
+          </p:cNvCxnSpPr>
+          <p:nvPr/>
+        </p:nvCxnSpPr>
+        <p:spPr>
+          <a:xfrm rot="16200000" flipH="1">
+            <a:off x="2963544" y="3518273"/>
+            <a:ext cx="1771551" cy="416270"/>
+          </a:xfrm>
+          <a:prstGeom prst="bentConnector2">
+            <a:avLst/>
+          </a:prstGeom>
+          <a:ln w="19050">
+            <a:solidFill>
+              <a:srgbClr val="7030A0"/>
+            </a:solidFill>
+            <a:headEnd type="none" w="med" len="med"/>
+            <a:tailEnd type="arrow" w="med" len="med"/>
+          </a:ln>
+          <a:effectLst/>
+        </p:spPr>
+        <p:style>
+          <a:lnRef idx="1">
+            <a:schemeClr val="accent2"/>
+          </a:lnRef>
+          <a:fillRef idx="2">
+            <a:schemeClr val="accent2"/>
+          </a:fillRef>
+          <a:effectRef idx="1">
+            <a:schemeClr val="accent2"/>
+          </a:effectRef>
+          <a:fontRef idx="minor">
+            <a:schemeClr val="dk1"/>
+          </a:fontRef>
+        </p:style>
+      </p:cxnSp>
+      <p:cxnSp>
+        <p:nvCxnSpPr>
+          <p:cNvPr id="383" name="Elbow Connector 58">
+            <a:extLst>
+              <a:ext uri="{FF2B5EF4-FFF2-40B4-BE49-F238E27FC236}">
+                <a16:creationId xmlns:a16="http://schemas.microsoft.com/office/drawing/2014/main" id="{6626E895-598F-4B3F-89B3-55405C92BC5B}"/>
+              </a:ext>
+            </a:extLst>
+          </p:cNvPr>
+          <p:cNvCxnSpPr>
+            <a:cxnSpLocks/>
+            <a:stCxn id="51" idx="2"/>
+            <a:endCxn id="358" idx="1"/>
+          </p:cNvCxnSpPr>
+          <p:nvPr/>
+        </p:nvCxnSpPr>
+        <p:spPr>
+          <a:xfrm rot="16200000" flipH="1">
+            <a:off x="3655190" y="2826627"/>
+            <a:ext cx="2021369" cy="2049380"/>
+          </a:xfrm>
+          <a:prstGeom prst="bentConnector2">
+            <a:avLst/>
+          </a:prstGeom>
+          <a:ln w="19050">
+            <a:solidFill>
+              <a:srgbClr val="7030A0"/>
+            </a:solidFill>
+            <a:headEnd type="none" w="med" len="med"/>
+            <a:tailEnd type="arrow" w="med" len="med"/>
+          </a:ln>
+          <a:effectLst/>
+        </p:spPr>
+        <p:style>
+          <a:lnRef idx="1">
+            <a:schemeClr val="accent2"/>
+          </a:lnRef>
+          <a:fillRef idx="2">
+            <a:schemeClr val="accent2"/>
+          </a:fillRef>
+          <a:effectRef idx="1">
+            <a:schemeClr val="accent2"/>
+          </a:effectRef>
+          <a:fontRef idx="minor">
+            <a:schemeClr val="dk1"/>
+          </a:fontRef>
+        </p:style>
+      </p:cxnSp>
+      <p:cxnSp>
+        <p:nvCxnSpPr>
+          <p:cNvPr id="387" name="Elbow Connector 58">
+            <a:extLst>
+              <a:ext uri="{FF2B5EF4-FFF2-40B4-BE49-F238E27FC236}">
+                <a16:creationId xmlns:a16="http://schemas.microsoft.com/office/drawing/2014/main" id="{E7A5A4B1-30A8-4456-92E7-2447AE87BD86}"/>
+              </a:ext>
+            </a:extLst>
+          </p:cNvPr>
+          <p:cNvCxnSpPr>
+            <a:cxnSpLocks/>
+            <a:stCxn id="51" idx="2"/>
+            <a:endCxn id="357" idx="1"/>
+          </p:cNvCxnSpPr>
+          <p:nvPr/>
+        </p:nvCxnSpPr>
+        <p:spPr>
+          <a:xfrm rot="16200000" flipH="1">
+            <a:off x="4240712" y="2241104"/>
+            <a:ext cx="2290410" cy="3489467"/>
+          </a:xfrm>
+          <a:prstGeom prst="bentConnector2">
+            <a:avLst/>
+          </a:prstGeom>
+          <a:ln w="19050">
+            <a:solidFill>
+              <a:srgbClr val="7030A0"/>
+            </a:solidFill>
+            <a:headEnd type="none" w="med" len="med"/>
+            <a:tailEnd type="arrow" w="med" len="med"/>
+          </a:ln>
+          <a:effectLst/>
+        </p:spPr>
+        <p:style>
+          <a:lnRef idx="1">
+            <a:schemeClr val="accent2"/>
+          </a:lnRef>
+          <a:fillRef idx="2">
+            <a:schemeClr val="accent2"/>
+          </a:fillRef>
+          <a:effectRef idx="1">
+            <a:schemeClr val="accent2"/>
+          </a:effectRef>
+          <a:fontRef idx="minor">
+            <a:schemeClr val="dk1"/>
+          </a:fontRef>
+        </p:style>
+      </p:cxnSp>
+      <p:cxnSp>
+        <p:nvCxnSpPr>
+          <p:cNvPr id="394" name="Elbow Connector 106">
+            <a:extLst>
+              <a:ext uri="{FF2B5EF4-FFF2-40B4-BE49-F238E27FC236}">
+                <a16:creationId xmlns:a16="http://schemas.microsoft.com/office/drawing/2014/main" id="{46D7BE58-7E4A-457B-B8EB-B7658912954A}"/>
+              </a:ext>
+            </a:extLst>
+          </p:cNvPr>
+          <p:cNvCxnSpPr>
+            <a:cxnSpLocks/>
+            <a:stCxn id="9" idx="1"/>
+            <a:endCxn id="400" idx="1"/>
+          </p:cNvCxnSpPr>
+          <p:nvPr/>
+        </p:nvCxnSpPr>
+        <p:spPr>
+          <a:xfrm rot="16200000" flipH="1">
+            <a:off x="1342097" y="3882359"/>
+            <a:ext cx="1470818" cy="1009007"/>
+          </a:xfrm>
+          <a:prstGeom prst="bentConnector2">
+            <a:avLst/>
+          </a:prstGeom>
+          <a:ln w="19050">
+            <a:solidFill>
+              <a:srgbClr val="7030A0"/>
+            </a:solidFill>
+            <a:prstDash val="solid"/>
+            <a:headEnd type="none" w="med" len="med"/>
+            <a:tailEnd type="arrow" w="med" len="med"/>
+          </a:ln>
+          <a:effectLst/>
+        </p:spPr>
+        <p:style>
+          <a:lnRef idx="1">
+            <a:schemeClr val="accent2"/>
+          </a:lnRef>
+          <a:fillRef idx="2">
+            <a:schemeClr val="accent2"/>
+          </a:fillRef>
+          <a:effectRef idx="1">
+            <a:schemeClr val="accent2"/>
+          </a:effectRef>
+          <a:fontRef idx="minor">
+            <a:schemeClr val="dk1"/>
+          </a:fontRef>
+        </p:style>
+      </p:cxnSp>
+      <p:sp>
+        <p:nvSpPr>
+          <p:cNvPr id="399" name="Rectangle 8">
+            <a:extLst>
+              <a:ext uri="{FF2B5EF4-FFF2-40B4-BE49-F238E27FC236}">
+                <a16:creationId xmlns:a16="http://schemas.microsoft.com/office/drawing/2014/main" id="{135DD264-C9F0-4E08-94E3-9A056935DAC6}"/>
+              </a:ext>
+            </a:extLst>
+          </p:cNvPr>
+          <p:cNvSpPr/>
           <p:nvPr/>
         </p:nvSpPr>
         <p:spPr>
           <a:xfrm>
-            <a:off x="2656370" y="3386050"/>
-            <a:ext cx="189257" cy="178683"/>
+            <a:off x="2235739" y="4100125"/>
+            <a:ext cx="708186" cy="285783"/>
           </a:xfrm>
           <a:prstGeom prst="rect">
             <a:avLst/>
           </a:prstGeom>
-          <a:noFill/>
-        </p:spPr>
-        <p:txBody>
-          <a:bodyPr wrap="square" lIns="0" tIns="0" rIns="0" bIns="0" rtlCol="0">
-            <a:noAutofit/>
-          </a:bodyPr>
+          <a:ln w="19050">
+            <a:solidFill>
+              <a:srgbClr val="7030A0"/>
+            </a:solidFill>
+          </a:ln>
+          <a:effectLst/>
+        </p:spPr>
+        <p:style>
+          <a:lnRef idx="1">
+            <a:schemeClr val="accent4"/>
+          </a:lnRef>
+          <a:fillRef idx="2">
+            <a:schemeClr val="accent4"/>
+          </a:fillRef>
+          <a:effectRef idx="1">
+            <a:schemeClr val="accent4"/>
+          </a:effectRef>
+          <a:fontRef idx="minor">
+            <a:schemeClr val="dk1"/>
+          </a:fontRef>
+        </p:style>
+        <p:txBody>
+          <a:bodyPr rtlCol="0" anchor="ctr"/>
           <a:lstStyle/>
           <a:p>
             <a:pPr algn="ctr"/>
             <a:r>
-              <a:rPr lang="en-US" sz="1100" dirty="0" smtClean="0">
+              <a:rPr lang="en-US" sz="700" dirty="0">
                 <a:solidFill>
                   <a:srgbClr val="7030A0"/>
                 </a:solidFill>
               </a:rPr>
-              <a:t>1</a:t>
+              <a:t>Transaction*</a:t>
+            </a:r>
+            <a:endParaRPr lang="en-SG" sz="700" dirty="0">
+              <a:solidFill>
+                <a:srgbClr val="7030A0"/>
+              </a:solidFill>
+            </a:endParaRPr>
+          </a:p>
+        </p:txBody>
+      </p:sp>
+      <p:sp>
+        <p:nvSpPr>
+          <p:cNvPr id="400" name="Rectangle 8">
+            <a:extLst>
+              <a:ext uri="{FF2B5EF4-FFF2-40B4-BE49-F238E27FC236}">
+                <a16:creationId xmlns:a16="http://schemas.microsoft.com/office/drawing/2014/main" id="{19C55EF6-874F-4EC5-AA48-21AB5AF5E1E3}"/>
+              </a:ext>
+            </a:extLst>
+          </p:cNvPr>
+          <p:cNvSpPr/>
+          <p:nvPr/>
+        </p:nvSpPr>
+        <p:spPr>
+          <a:xfrm>
+            <a:off x="2582010" y="4948892"/>
+            <a:ext cx="708186" cy="346760"/>
+          </a:xfrm>
+          <a:prstGeom prst="rect">
+            <a:avLst/>
+          </a:prstGeom>
+          <a:ln w="19050">
+            <a:solidFill>
+              <a:srgbClr val="7030A0"/>
+            </a:solidFill>
+          </a:ln>
+          <a:effectLst/>
+        </p:spPr>
+        <p:style>
+          <a:lnRef idx="1">
+            <a:schemeClr val="accent4"/>
+          </a:lnRef>
+          <a:fillRef idx="2">
+            <a:schemeClr val="accent4"/>
+          </a:fillRef>
+          <a:effectRef idx="1">
+            <a:schemeClr val="accent4"/>
+          </a:effectRef>
+          <a:fontRef idx="minor">
+            <a:schemeClr val="dk1"/>
+          </a:fontRef>
+        </p:style>
+        <p:txBody>
+          <a:bodyPr rtlCol="0" anchor="ctr"/>
+          <a:lstStyle/>
+          <a:p>
+            <a:pPr algn="ctr"/>
+            <a:r>
+              <a:rPr lang="en-US" sz="1050" dirty="0">
+                <a:solidFill>
+                  <a:srgbClr val="7030A0"/>
+                </a:solidFill>
+              </a:rPr>
+              <a:t>Creditor*</a:t>
+            </a:r>
+            <a:endParaRPr lang="en-SG" sz="1050" dirty="0">
+              <a:solidFill>
+                <a:srgbClr val="7030A0"/>
+              </a:solidFill>
+            </a:endParaRPr>
+          </a:p>
+        </p:txBody>
+      </p:sp>
+      <p:sp>
+        <p:nvSpPr>
+          <p:cNvPr id="402" name="Rectangle 8">
+            <a:extLst>
+              <a:ext uri="{FF2B5EF4-FFF2-40B4-BE49-F238E27FC236}">
+                <a16:creationId xmlns:a16="http://schemas.microsoft.com/office/drawing/2014/main" id="{1A9CFB2B-61DD-41A5-B462-AB4E217FDF6E}"/>
+              </a:ext>
+            </a:extLst>
+          </p:cNvPr>
+          <p:cNvSpPr/>
+          <p:nvPr/>
+        </p:nvSpPr>
+        <p:spPr>
+          <a:xfrm>
+            <a:off x="2329846" y="4515242"/>
+            <a:ext cx="708186" cy="346760"/>
+          </a:xfrm>
+          <a:prstGeom prst="rect">
+            <a:avLst/>
+          </a:prstGeom>
+          <a:ln w="19050">
+            <a:solidFill>
+              <a:srgbClr val="7030A0"/>
+            </a:solidFill>
+          </a:ln>
+          <a:effectLst/>
+        </p:spPr>
+        <p:style>
+          <a:lnRef idx="1">
+            <a:schemeClr val="accent4"/>
+          </a:lnRef>
+          <a:fillRef idx="2">
+            <a:schemeClr val="accent4"/>
+          </a:fillRef>
+          <a:effectRef idx="1">
+            <a:schemeClr val="accent4"/>
+          </a:effectRef>
+          <a:fontRef idx="minor">
+            <a:schemeClr val="dk1"/>
+          </a:fontRef>
+        </p:style>
+        <p:txBody>
+          <a:bodyPr rtlCol="0" anchor="ctr"/>
+          <a:lstStyle/>
+          <a:p>
+            <a:pPr algn="ctr"/>
+            <a:r>
+              <a:rPr lang="en-US" sz="1050" dirty="0">
+                <a:solidFill>
+                  <a:srgbClr val="7030A0"/>
+                </a:solidFill>
+              </a:rPr>
+              <a:t>Debtor*</a:t>
+            </a:r>
+            <a:endParaRPr lang="en-SG" sz="1050" dirty="0">
+              <a:solidFill>
+                <a:srgbClr val="7030A0"/>
+              </a:solidFill>
+            </a:endParaRPr>
+          </a:p>
+        </p:txBody>
+      </p:sp>
+      <p:cxnSp>
+        <p:nvCxnSpPr>
+          <p:cNvPr id="404" name="Elbow Connector 106">
+            <a:extLst>
+              <a:ext uri="{FF2B5EF4-FFF2-40B4-BE49-F238E27FC236}">
+                <a16:creationId xmlns:a16="http://schemas.microsoft.com/office/drawing/2014/main" id="{AB5823D0-87BB-42C9-A0AF-1A9BF759334A}"/>
+              </a:ext>
+            </a:extLst>
+          </p:cNvPr>
+          <p:cNvCxnSpPr>
+            <a:cxnSpLocks/>
+            <a:stCxn id="9" idx="1"/>
+            <a:endCxn id="402" idx="1"/>
+          </p:cNvCxnSpPr>
+          <p:nvPr/>
+        </p:nvCxnSpPr>
+        <p:spPr>
+          <a:xfrm rot="16200000" flipH="1">
+            <a:off x="1432840" y="3791616"/>
+            <a:ext cx="1037168" cy="756843"/>
+          </a:xfrm>
+          <a:prstGeom prst="bentConnector2">
+            <a:avLst/>
+          </a:prstGeom>
+          <a:ln w="19050">
+            <a:solidFill>
+              <a:srgbClr val="7030A0"/>
+            </a:solidFill>
+            <a:prstDash val="solid"/>
+            <a:headEnd type="none" w="med" len="med"/>
+            <a:tailEnd type="arrow" w="med" len="med"/>
+          </a:ln>
+          <a:effectLst/>
+        </p:spPr>
+        <p:style>
+          <a:lnRef idx="1">
+            <a:schemeClr val="accent2"/>
+          </a:lnRef>
+          <a:fillRef idx="2">
+            <a:schemeClr val="accent2"/>
+          </a:fillRef>
+          <a:effectRef idx="1">
+            <a:schemeClr val="accent2"/>
+          </a:effectRef>
+          <a:fontRef idx="minor">
+            <a:schemeClr val="dk1"/>
+          </a:fontRef>
+        </p:style>
+      </p:cxnSp>
+      <p:sp>
+        <p:nvSpPr>
+          <p:cNvPr id="408" name="TextBox 407">
+            <a:extLst>
+              <a:ext uri="{FF2B5EF4-FFF2-40B4-BE49-F238E27FC236}">
+                <a16:creationId xmlns:a16="http://schemas.microsoft.com/office/drawing/2014/main" id="{4BDC638A-373F-4B86-AA1D-B0C1B737D680}"/>
+              </a:ext>
+            </a:extLst>
+          </p:cNvPr>
+          <p:cNvSpPr txBox="1"/>
+          <p:nvPr/>
+        </p:nvSpPr>
+        <p:spPr>
+          <a:xfrm>
+            <a:off x="1447800" y="4462790"/>
+            <a:ext cx="881018" cy="261610"/>
+          </a:xfrm>
+          <a:prstGeom prst="rect">
+            <a:avLst/>
+          </a:prstGeom>
+          <a:noFill/>
+        </p:spPr>
+        <p:txBody>
+          <a:bodyPr wrap="square" rtlCol="0">
+            <a:spAutoFit/>
+          </a:bodyPr>
+          <a:lstStyle/>
+          <a:p>
+            <a:pPr algn="r"/>
+            <a:r>
+              <a:rPr lang="en-US" sz="1100" dirty="0">
+                <a:solidFill>
+                  <a:srgbClr val="7030A0"/>
+                </a:solidFill>
+              </a:rPr>
+              <a:t>filtered list</a:t>
             </a:r>
             <a:endParaRPr lang="en-SG" sz="1100" dirty="0">
               <a:solidFill>
@@ -5716,14 +7656,20 @@
       </p:sp>
       <p:sp>
         <p:nvSpPr>
-          <p:cNvPr id="70" name="TextBox 69"/>
+          <p:cNvPr id="409" name="TextBox 408">
+            <a:extLst>
+              <a:ext uri="{FF2B5EF4-FFF2-40B4-BE49-F238E27FC236}">
+                <a16:creationId xmlns:a16="http://schemas.microsoft.com/office/drawing/2014/main" id="{6D0F2ED4-73A4-4277-9BE9-66B9FF592628}"/>
+              </a:ext>
+            </a:extLst>
+          </p:cNvPr>
           <p:cNvSpPr txBox="1"/>
           <p:nvPr/>
         </p:nvSpPr>
         <p:spPr>
           <a:xfrm>
-            <a:off x="6667770" y="3210194"/>
-            <a:ext cx="189257" cy="178683"/>
+            <a:off x="1600200" y="4843790"/>
+            <a:ext cx="881018" cy="261610"/>
           </a:xfrm>
           <a:prstGeom prst="rect">
             <a:avLst/>
@@ -5731,19 +7677,19 @@
           <a:noFill/>
         </p:spPr>
         <p:txBody>
-          <a:bodyPr wrap="square" lIns="0" tIns="0" rIns="0" bIns="0" rtlCol="0">
-            <a:noAutofit/>
+          <a:bodyPr wrap="square" rtlCol="0">
+            <a:spAutoFit/>
           </a:bodyPr>
           <a:lstStyle/>
           <a:p>
-            <a:pPr algn="ctr"/>
-            <a:r>
-              <a:rPr lang="en-US" sz="1100" dirty="0" smtClean="0">
+            <a:pPr algn="r"/>
+            <a:r>
+              <a:rPr lang="en-US" sz="1100" dirty="0">
                 <a:solidFill>
                   <a:srgbClr val="7030A0"/>
                 </a:solidFill>
               </a:rPr>
-              <a:t>1</a:t>
+              <a:t>filtered list</a:t>
             </a:r>
             <a:endParaRPr lang="en-SG" sz="1100" dirty="0">
               <a:solidFill>
@@ -5763,13 +7709,6 @@
   <p:clrMapOvr>
     <a:masterClrMapping/>
   </p:clrMapOvr>
-  <p:timing>
-    <p:tnLst>
-      <p:par>
-        <p:cTn id="1" dur="indefinite" restart="never" nodeType="tmRoot"/>
-      </p:par>
-    </p:tnLst>
-  </p:timing>
 </p:sld>
 </file>
 
